--- a/PJ_KI_MST1.pptx
+++ b/PJ_KI_MST1.pptx
@@ -6,9 +6,13 @@
   </p:sldMasterIdLst>
   <p:sldIdLst>
     <p:sldId id="256" r:id="rId2"/>
-    <p:sldId id="257" r:id="rId3"/>
-    <p:sldId id="258" r:id="rId4"/>
-    <p:sldId id="259" r:id="rId5"/>
+    <p:sldId id="260" r:id="rId3"/>
+    <p:sldId id="257" r:id="rId4"/>
+    <p:sldId id="261" r:id="rId5"/>
+    <p:sldId id="262" r:id="rId6"/>
+    <p:sldId id="263" r:id="rId7"/>
+    <p:sldId id="258" r:id="rId8"/>
+    <p:sldId id="259" r:id="rId9"/>
   </p:sldIdLst>
   <p:sldSz cx="12192000" cy="6858000"/>
   <p:notesSz cx="6858000" cy="9144000"/>
@@ -107,6 +111,11 @@
       </a:defRPr>
     </a:lvl9pPr>
   </p:defaultTextStyle>
+  <p:extLst>
+    <p:ext uri="{EFAFB233-063F-42B5-8137-9DF3F51BA10A}">
+      <p15:sldGuideLst xmlns:p15="http://schemas.microsoft.com/office/powerpoint/2012/main"/>
+    </p:ext>
+  </p:extLst>
 </p:presentation>
 </file>
 
@@ -257,7 +266,7 @@
           <a:p>
             <a:fld id="{17468778-AD1E-48E6-A1B1-00A628170ED2}" type="datetimeFigureOut">
               <a:rPr lang="de-DE" smtClean="0"/>
-              <a:t>07.05.2023</a:t>
+              <a:t>09.05.23</a:t>
             </a:fld>
             <a:endParaRPr lang="de-DE"/>
           </a:p>
@@ -455,7 +464,7 @@
           <a:p>
             <a:fld id="{17468778-AD1E-48E6-A1B1-00A628170ED2}" type="datetimeFigureOut">
               <a:rPr lang="de-DE" smtClean="0"/>
-              <a:t>07.05.2023</a:t>
+              <a:t>09.05.23</a:t>
             </a:fld>
             <a:endParaRPr lang="de-DE"/>
           </a:p>
@@ -663,7 +672,7 @@
           <a:p>
             <a:fld id="{17468778-AD1E-48E6-A1B1-00A628170ED2}" type="datetimeFigureOut">
               <a:rPr lang="de-DE" smtClean="0"/>
-              <a:t>07.05.2023</a:t>
+              <a:t>09.05.23</a:t>
             </a:fld>
             <a:endParaRPr lang="de-DE"/>
           </a:p>
@@ -861,7 +870,7 @@
           <a:p>
             <a:fld id="{17468778-AD1E-48E6-A1B1-00A628170ED2}" type="datetimeFigureOut">
               <a:rPr lang="de-DE" smtClean="0"/>
-              <a:t>07.05.2023</a:t>
+              <a:t>09.05.23</a:t>
             </a:fld>
             <a:endParaRPr lang="de-DE"/>
           </a:p>
@@ -1136,7 +1145,7 @@
           <a:p>
             <a:fld id="{17468778-AD1E-48E6-A1B1-00A628170ED2}" type="datetimeFigureOut">
               <a:rPr lang="de-DE" smtClean="0"/>
-              <a:t>07.05.2023</a:t>
+              <a:t>09.05.23</a:t>
             </a:fld>
             <a:endParaRPr lang="de-DE"/>
           </a:p>
@@ -1401,7 +1410,7 @@
           <a:p>
             <a:fld id="{17468778-AD1E-48E6-A1B1-00A628170ED2}" type="datetimeFigureOut">
               <a:rPr lang="de-DE" smtClean="0"/>
-              <a:t>07.05.2023</a:t>
+              <a:t>09.05.23</a:t>
             </a:fld>
             <a:endParaRPr lang="de-DE"/>
           </a:p>
@@ -1813,7 +1822,7 @@
           <a:p>
             <a:fld id="{17468778-AD1E-48E6-A1B1-00A628170ED2}" type="datetimeFigureOut">
               <a:rPr lang="de-DE" smtClean="0"/>
-              <a:t>07.05.2023</a:t>
+              <a:t>09.05.23</a:t>
             </a:fld>
             <a:endParaRPr lang="de-DE"/>
           </a:p>
@@ -1954,7 +1963,7 @@
           <a:p>
             <a:fld id="{17468778-AD1E-48E6-A1B1-00A628170ED2}" type="datetimeFigureOut">
               <a:rPr lang="de-DE" smtClean="0"/>
-              <a:t>07.05.2023</a:t>
+              <a:t>09.05.23</a:t>
             </a:fld>
             <a:endParaRPr lang="de-DE"/>
           </a:p>
@@ -2067,7 +2076,7 @@
           <a:p>
             <a:fld id="{17468778-AD1E-48E6-A1B1-00A628170ED2}" type="datetimeFigureOut">
               <a:rPr lang="de-DE" smtClean="0"/>
-              <a:t>07.05.2023</a:t>
+              <a:t>09.05.23</a:t>
             </a:fld>
             <a:endParaRPr lang="de-DE"/>
           </a:p>
@@ -2378,7 +2387,7 @@
           <a:p>
             <a:fld id="{17468778-AD1E-48E6-A1B1-00A628170ED2}" type="datetimeFigureOut">
               <a:rPr lang="de-DE" smtClean="0"/>
-              <a:t>07.05.2023</a:t>
+              <a:t>09.05.23</a:t>
             </a:fld>
             <a:endParaRPr lang="de-DE"/>
           </a:p>
@@ -2666,7 +2675,7 @@
           <a:p>
             <a:fld id="{17468778-AD1E-48E6-A1B1-00A628170ED2}" type="datetimeFigureOut">
               <a:rPr lang="de-DE" smtClean="0"/>
-              <a:t>07.05.2023</a:t>
+              <a:t>09.05.23</a:t>
             </a:fld>
             <a:endParaRPr lang="de-DE"/>
           </a:p>
@@ -2907,7 +2916,7 @@
           <a:p>
             <a:fld id="{17468778-AD1E-48E6-A1B1-00A628170ED2}" type="datetimeFigureOut">
               <a:rPr lang="de-DE" smtClean="0"/>
-              <a:t>07.05.2023</a:t>
+              <a:t>09.05.23</a:t>
             </a:fld>
             <a:endParaRPr lang="de-DE"/>
           </a:p>
@@ -3348,13 +3357,13 @@
         </p:spPr>
         <p:txBody>
           <a:bodyPr>
-            <a:normAutofit/>
+            <a:normAutofit fontScale="90000"/>
           </a:bodyPr>
           <a:lstStyle/>
           <a:p>
             <a:r>
               <a:rPr lang="de-DE" sz="4400" dirty="0">
-                <a:latin typeface="Nirmala UI" panose="020B0502040204020203" pitchFamily="34" charset="0"/>
+                <a:latin typeface="DM Sans" pitchFamily="2" charset="77"/>
                 <a:ea typeface="Nirmala UI" panose="020B0502040204020203" pitchFamily="34" charset="0"/>
                 <a:cs typeface="Nirmala UI" panose="020B0502040204020203" pitchFamily="34" charset="0"/>
               </a:rPr>
@@ -3362,14 +3371,14 @@
             </a:r>
             <a:br>
               <a:rPr lang="de-DE" sz="4400" dirty="0">
-                <a:latin typeface="Nirmala UI" panose="020B0502040204020203" pitchFamily="34" charset="0"/>
+                <a:latin typeface="DM Sans" pitchFamily="2" charset="77"/>
                 <a:ea typeface="Nirmala UI" panose="020B0502040204020203" pitchFamily="34" charset="0"/>
                 <a:cs typeface="Nirmala UI" panose="020B0502040204020203" pitchFamily="34" charset="0"/>
               </a:rPr>
             </a:br>
             <a:r>
               <a:rPr lang="de-DE" sz="4400" dirty="0">
-                <a:latin typeface="Nirmala UI" panose="020B0502040204020203" pitchFamily="34" charset="0"/>
+                <a:latin typeface="DM Sans" pitchFamily="2" charset="77"/>
                 <a:ea typeface="Nirmala UI" panose="020B0502040204020203" pitchFamily="34" charset="0"/>
                 <a:cs typeface="Nirmala UI" panose="020B0502040204020203" pitchFamily="34" charset="0"/>
               </a:rPr>
@@ -3406,9 +3415,10 @@
           </a:bodyPr>
           <a:lstStyle/>
           <a:p>
+            <a:pPr algn="l"/>
             <a:r>
               <a:rPr lang="de-DE" dirty="0">
-                <a:latin typeface="Nirmala UI Semilight" panose="020B0402040204020203" pitchFamily="34" charset="0"/>
+                <a:latin typeface="DM Sans" pitchFamily="2" charset="77"/>
                 <a:ea typeface="Nirmala UI Semilight" panose="020B0402040204020203" pitchFamily="34" charset="0"/>
                 <a:cs typeface="Nirmala UI Semilight" panose="020B0402040204020203" pitchFamily="34" charset="0"/>
               </a:rPr>
@@ -3416,9 +3426,10 @@
             </a:r>
           </a:p>
           <a:p>
+            <a:pPr algn="l"/>
             <a:r>
               <a:rPr lang="de-DE" dirty="0">
-                <a:latin typeface="Nirmala UI Semilight" panose="020B0402040204020203" pitchFamily="34" charset="0"/>
+                <a:latin typeface="DM Sans" pitchFamily="2" charset="77"/>
                 <a:ea typeface="Nirmala UI Semilight" panose="020B0402040204020203" pitchFamily="34" charset="0"/>
                 <a:cs typeface="Nirmala UI Semilight" panose="020B0402040204020203" pitchFamily="34" charset="0"/>
               </a:rPr>
@@ -3426,9 +3437,10 @@
             </a:r>
           </a:p>
           <a:p>
+            <a:pPr algn="l"/>
             <a:r>
               <a:rPr lang="de-DE" dirty="0">
-                <a:latin typeface="Nirmala UI Semilight" panose="020B0402040204020203" pitchFamily="34" charset="0"/>
+                <a:latin typeface="DM Sans" pitchFamily="2" charset="77"/>
                 <a:ea typeface="Nirmala UI Semilight" panose="020B0402040204020203" pitchFamily="34" charset="0"/>
                 <a:cs typeface="Nirmala UI Semilight" panose="020B0402040204020203" pitchFamily="34" charset="0"/>
               </a:rPr>
@@ -3436,7 +3448,7 @@
             </a:r>
             <a:r>
               <a:rPr lang="de-DE" dirty="0" err="1">
-                <a:latin typeface="Nirmala UI Semilight" panose="020B0402040204020203" pitchFamily="34" charset="0"/>
+                <a:latin typeface="DM Sans" pitchFamily="2" charset="77"/>
                 <a:ea typeface="Nirmala UI Semilight" panose="020B0402040204020203" pitchFamily="34" charset="0"/>
                 <a:cs typeface="Nirmala UI Semilight" panose="020B0402040204020203" pitchFamily="34" charset="0"/>
               </a:rPr>
@@ -3444,7 +3456,7 @@
             </a:r>
             <a:r>
               <a:rPr lang="de-DE" dirty="0">
-                <a:latin typeface="Nirmala UI Semilight" panose="020B0402040204020203" pitchFamily="34" charset="0"/>
+                <a:latin typeface="DM Sans" pitchFamily="2" charset="77"/>
                 <a:ea typeface="Nirmala UI Semilight" panose="020B0402040204020203" pitchFamily="34" charset="0"/>
                 <a:cs typeface="Nirmala UI Semilight" panose="020B0402040204020203" pitchFamily="34" charset="0"/>
               </a:rPr>
@@ -3452,25 +3464,18 @@
             </a:r>
           </a:p>
           <a:p>
-            <a:r>
-              <a:rPr lang="de-DE" dirty="0" err="1">
-                <a:latin typeface="Nirmala UI Semilight" panose="020B0402040204020203" pitchFamily="34" charset="0"/>
+            <a:pPr algn="l"/>
+            <a:r>
+              <a:rPr lang="de-DE" dirty="0">
+                <a:latin typeface="DM Sans" pitchFamily="2" charset="77"/>
                 <a:ea typeface="Nirmala UI Semilight" panose="020B0402040204020203" pitchFamily="34" charset="0"/>
                 <a:cs typeface="Nirmala UI Semilight" panose="020B0402040204020203" pitchFamily="34" charset="0"/>
               </a:rPr>
-              <a:t>Zdanowski</a:t>
-            </a:r>
-            <a:r>
-              <a:rPr lang="de-DE" dirty="0">
-                <a:latin typeface="Nirmala UI Semilight" panose="020B0402040204020203" pitchFamily="34" charset="0"/>
-                <a:ea typeface="Nirmala UI Semilight" panose="020B0402040204020203" pitchFamily="34" charset="0"/>
-                <a:cs typeface="Nirmala UI Semilight" panose="020B0402040204020203" pitchFamily="34" charset="0"/>
-              </a:rPr>
-              <a:t>, Patrick	</a:t>
+              <a:t>Zdanowski, Patrick	</a:t>
             </a:r>
             <a:r>
               <a:rPr lang="de-DE" dirty="0" err="1">
-                <a:latin typeface="Nirmala UI Semilight" panose="020B0402040204020203" pitchFamily="34" charset="0"/>
+                <a:latin typeface="DM Sans" pitchFamily="2" charset="77"/>
                 <a:ea typeface="Nirmala UI Semilight" panose="020B0402040204020203" pitchFamily="34" charset="0"/>
                 <a:cs typeface="Nirmala UI Semilight" panose="020B0402040204020203" pitchFamily="34" charset="0"/>
               </a:rPr>
@@ -3478,7 +3483,7 @@
             </a:r>
             <a:r>
               <a:rPr lang="de-DE" dirty="0">
-                <a:latin typeface="Nirmala UI Semilight" panose="020B0402040204020203" pitchFamily="34" charset="0"/>
+                <a:latin typeface="DM Sans" pitchFamily="2" charset="77"/>
                 <a:ea typeface="Nirmala UI Semilight" panose="020B0402040204020203" pitchFamily="34" charset="0"/>
                 <a:cs typeface="Nirmala UI Semilight" panose="020B0402040204020203" pitchFamily="34" charset="0"/>
               </a:rPr>
@@ -3486,7 +3491,9 @@
             </a:r>
           </a:p>
           <a:p>
-            <a:endParaRPr lang="de-DE" dirty="0"/>
+            <a:endParaRPr lang="de-DE" dirty="0">
+              <a:latin typeface="DM Sans" pitchFamily="2" charset="77"/>
+            </a:endParaRPr>
           </a:p>
         </p:txBody>
       </p:sp>
@@ -3505,7 +3512,7 @@
         <p:spPr>
           <a:xfrm>
             <a:off x="4292694" y="5146970"/>
-            <a:ext cx="3100529" cy="830997"/>
+            <a:ext cx="3313728" cy="830997"/>
           </a:xfrm>
           <a:prstGeom prst="rect">
             <a:avLst/>
@@ -3520,7 +3527,7 @@
           <a:p>
             <a:r>
               <a:rPr lang="de-DE" sz="2400" dirty="0">
-                <a:latin typeface="Nirmala UI Semilight" panose="020B0402040204020203" pitchFamily="34" charset="0"/>
+                <a:latin typeface="DM Sans" pitchFamily="2" charset="77"/>
                 <a:ea typeface="Nirmala UI Semilight" panose="020B0402040204020203" pitchFamily="34" charset="0"/>
                 <a:cs typeface="Nirmala UI Semilight" panose="020B0402040204020203" pitchFamily="34" charset="0"/>
               </a:rPr>
@@ -3528,9 +3535,10 @@
             </a:r>
           </a:p>
           <a:p>
+            <a:pPr algn="ctr"/>
             <a:r>
               <a:rPr lang="de-DE" sz="2400" dirty="0">
-                <a:latin typeface="Nirmala UI Semilight" panose="020B0402040204020203" pitchFamily="34" charset="0"/>
+                <a:latin typeface="DM Sans" pitchFamily="2" charset="77"/>
                 <a:ea typeface="Nirmala UI Semilight" panose="020B0402040204020203" pitchFamily="34" charset="0"/>
                 <a:cs typeface="Nirmala UI Semilight" panose="020B0402040204020203" pitchFamily="34" charset="0"/>
               </a:rPr>
@@ -3554,7 +3562,7 @@
         <p:spPr>
           <a:xfrm>
             <a:off x="1446779" y="2934131"/>
-            <a:ext cx="3021981" cy="1569660"/>
+            <a:ext cx="3238387" cy="1569660"/>
           </a:xfrm>
           <a:prstGeom prst="rect">
             <a:avLst/>
@@ -3567,10 +3575,9 @@
           </a:bodyPr>
           <a:lstStyle/>
           <a:p>
-            <a:pPr algn="ctr"/>
             <a:r>
               <a:rPr lang="de-DE" sz="2400" dirty="0">
-                <a:latin typeface="Nirmala UI Semilight" panose="020B0402040204020203" pitchFamily="34" charset="0"/>
+                <a:latin typeface="DM Sans" pitchFamily="2" charset="77"/>
                 <a:ea typeface="Nirmala UI Semilight" panose="020B0402040204020203" pitchFamily="34" charset="0"/>
                 <a:cs typeface="Nirmala UI Semilight" panose="020B0402040204020203" pitchFamily="34" charset="0"/>
               </a:rPr>
@@ -3578,10 +3585,9 @@
             </a:r>
           </a:p>
           <a:p>
-            <a:pPr algn="ctr"/>
             <a:r>
               <a:rPr lang="de-DE" sz="2400" dirty="0">
-                <a:latin typeface="Nirmala UI Semilight" panose="020B0402040204020203" pitchFamily="34" charset="0"/>
+                <a:latin typeface="DM Sans" pitchFamily="2" charset="77"/>
                 <a:ea typeface="Nirmala UI Semilight" panose="020B0402040204020203" pitchFamily="34" charset="0"/>
                 <a:cs typeface="Nirmala UI Semilight" panose="020B0402040204020203" pitchFamily="34" charset="0"/>
               </a:rPr>
@@ -3589,18 +3595,16 @@
             </a:r>
           </a:p>
           <a:p>
-            <a:pPr algn="ctr"/>
             <a:endParaRPr lang="de-DE" sz="2400" dirty="0">
-              <a:latin typeface="Nirmala UI Semilight" panose="020B0402040204020203" pitchFamily="34" charset="0"/>
+              <a:latin typeface="DM Sans" pitchFamily="2" charset="77"/>
               <a:ea typeface="Nirmala UI Semilight" panose="020B0402040204020203" pitchFamily="34" charset="0"/>
               <a:cs typeface="Nirmala UI Semilight" panose="020B0402040204020203" pitchFamily="34" charset="0"/>
             </a:endParaRPr>
           </a:p>
           <a:p>
-            <a:pPr algn="ctr"/>
             <a:r>
               <a:rPr lang="de-DE" sz="2400" dirty="0">
-                <a:latin typeface="Nirmala UI Semilight" panose="020B0402040204020203" pitchFamily="34" charset="0"/>
+                <a:latin typeface="DM Sans" pitchFamily="2" charset="77"/>
                 <a:ea typeface="Nirmala UI Semilight" panose="020B0402040204020203" pitchFamily="34" charset="0"/>
                 <a:cs typeface="Nirmala UI Semilight" panose="020B0402040204020203" pitchFamily="34" charset="0"/>
               </a:rPr>
@@ -3644,74 +3648,170 @@
           <p:cNvPr id="2" name="Titel 1">
             <a:extLst>
               <a:ext uri="{FF2B5EF4-FFF2-40B4-BE49-F238E27FC236}">
-                <a16:creationId xmlns:a16="http://schemas.microsoft.com/office/drawing/2014/main" id="{EE771F90-B650-3457-8DDE-DEAF6DB41292}"/>
-              </a:ext>
-            </a:extLst>
-          </p:cNvPr>
-          <p:cNvSpPr>
-            <a:spLocks noGrp="1"/>
-          </p:cNvSpPr>
-          <p:nvPr>
-            <p:ph type="title"/>
+                <a16:creationId xmlns:a16="http://schemas.microsoft.com/office/drawing/2014/main" id="{552AB03A-ED9E-6C85-B8B5-390779DE40CC}"/>
+              </a:ext>
+            </a:extLst>
+          </p:cNvPr>
+          <p:cNvSpPr>
+            <a:spLocks noGrp="1"/>
+          </p:cNvSpPr>
+          <p:nvPr>
+            <p:ph type="ctrTitle"/>
           </p:nvPr>
         </p:nvSpPr>
         <p:spPr>
           <a:xfrm>
-            <a:off x="838200" y="-189781"/>
-            <a:ext cx="10515600" cy="1325563"/>
+            <a:off x="700177" y="699078"/>
+            <a:ext cx="10791645" cy="1387864"/>
           </a:xfrm>
         </p:spPr>
         <p:txBody>
-          <a:bodyPr/>
-          <a:lstStyle/>
-          <a:p>
-            <a:pPr algn="ctr"/>
-            <a:r>
-              <a:rPr lang="de-DE" dirty="0"/>
-              <a:t>Klassendiagramm</a:t>
-            </a:r>
-          </a:p>
-        </p:txBody>
-      </p:sp>
-      <p:pic>
-        <p:nvPicPr>
-          <p:cNvPr id="8" name="Inhaltsplatzhalter 7" descr="Ein Bild, das Text, Screenshot, Schrift, parallel enthält.&#10;&#10;Automatisch generierte Beschreibung">
-            <a:extLst>
-              <a:ext uri="{FF2B5EF4-FFF2-40B4-BE49-F238E27FC236}">
-                <a16:creationId xmlns:a16="http://schemas.microsoft.com/office/drawing/2014/main" id="{6955A705-0F03-35A4-95FD-FB614FC3FBF2}"/>
-              </a:ext>
-            </a:extLst>
-          </p:cNvPr>
-          <p:cNvPicPr>
-            <a:picLocks noGrp="1" noChangeAspect="1"/>
-          </p:cNvPicPr>
-          <p:nvPr>
-            <p:ph idx="1"/>
-          </p:nvPr>
-        </p:nvPicPr>
-        <p:blipFill>
-          <a:blip r:embed="rId2">
-            <a:extLst>
-              <a:ext uri="{28A0092B-C50C-407E-A947-70E740481C1C}">
-                <a14:useLocalDpi xmlns:a14="http://schemas.microsoft.com/office/drawing/2010/main" val="0"/>
-              </a:ext>
-            </a:extLst>
-          </a:blip>
-          <a:stretch>
-            <a:fillRect/>
-          </a:stretch>
-        </p:blipFill>
+          <a:bodyPr>
+            <a:normAutofit fontScale="90000"/>
+          </a:bodyPr>
+          <a:lstStyle/>
+          <a:p>
+            <a:r>
+              <a:rPr lang="de-DE" sz="4400" b="1" dirty="0">
+                <a:latin typeface="DM Sans" pitchFamily="2" charset="77"/>
+                <a:ea typeface="Nirmala UI" panose="020B0502040204020203" pitchFamily="34" charset="0"/>
+                <a:cs typeface="Nirmala UI" panose="020B0502040204020203" pitchFamily="34" charset="0"/>
+              </a:rPr>
+              <a:t>Projekt symbolische Künstliche Intelligenz</a:t>
+            </a:r>
+            <a:br>
+              <a:rPr lang="de-DE" sz="4400" b="1" dirty="0">
+                <a:latin typeface="DM Sans" pitchFamily="2" charset="77"/>
+                <a:ea typeface="Nirmala UI" panose="020B0502040204020203" pitchFamily="34" charset="0"/>
+                <a:cs typeface="Nirmala UI" panose="020B0502040204020203" pitchFamily="34" charset="0"/>
+              </a:rPr>
+            </a:br>
+            <a:r>
+              <a:rPr lang="de-DE" sz="4400" b="1" dirty="0">
+                <a:latin typeface="DM Sans" pitchFamily="2" charset="77"/>
+                <a:ea typeface="Nirmala UI" panose="020B0502040204020203" pitchFamily="34" charset="0"/>
+                <a:cs typeface="Nirmala UI" panose="020B0502040204020203" pitchFamily="34" charset="0"/>
+              </a:rPr>
+              <a:t>Meilenstein 1 - Dummy KI</a:t>
+            </a:r>
+          </a:p>
+        </p:txBody>
+      </p:sp>
+      <p:sp>
+        <p:nvSpPr>
+          <p:cNvPr id="7" name="Untertitel 6">
+            <a:extLst>
+              <a:ext uri="{FF2B5EF4-FFF2-40B4-BE49-F238E27FC236}">
+                <a16:creationId xmlns:a16="http://schemas.microsoft.com/office/drawing/2014/main" id="{99A1E184-2A61-9FAC-48FA-D69A2D9BFDED}"/>
+              </a:ext>
+            </a:extLst>
+          </p:cNvPr>
+          <p:cNvSpPr>
+            <a:spLocks noGrp="1"/>
+          </p:cNvSpPr>
+          <p:nvPr>
+            <p:ph type="subTitle" idx="1"/>
+          </p:nvPr>
+        </p:nvSpPr>
         <p:spPr>
           <a:xfrm>
-            <a:off x="1558762" y="800572"/>
-            <a:ext cx="9074476" cy="6057428"/>
+            <a:off x="700177" y="3429000"/>
+            <a:ext cx="10791646" cy="1975104"/>
           </a:xfrm>
         </p:spPr>
-      </p:pic>
+        <p:txBody>
+          <a:bodyPr>
+            <a:normAutofit/>
+          </a:bodyPr>
+          <a:lstStyle/>
+          <a:p>
+            <a:pPr algn="l">
+              <a:lnSpc>
+                <a:spcPct val="150000"/>
+              </a:lnSpc>
+            </a:pPr>
+            <a:r>
+              <a:rPr lang="de-DE" sz="1600" b="1" dirty="0">
+                <a:latin typeface="DM Sans" pitchFamily="2" charset="77"/>
+              </a:rPr>
+              <a:t>Gruppenname auf ISIS: </a:t>
+            </a:r>
+            <a:r>
+              <a:rPr lang="de-DE" sz="1600" dirty="0">
+                <a:latin typeface="DM Sans" pitchFamily="2" charset="77"/>
+              </a:rPr>
+              <a:t>F</a:t>
+            </a:r>
+          </a:p>
+          <a:p>
+            <a:pPr algn="l">
+              <a:lnSpc>
+                <a:spcPct val="150000"/>
+              </a:lnSpc>
+            </a:pPr>
+            <a:r>
+              <a:rPr lang="de-DE" sz="1600" b="1" dirty="0">
+                <a:latin typeface="DM Sans" pitchFamily="2" charset="77"/>
+              </a:rPr>
+              <a:t>Eigener Gruppenname: </a:t>
+            </a:r>
+            <a:r>
+              <a:rPr lang="de-DE" sz="1600" dirty="0">
+                <a:latin typeface="DM Sans" pitchFamily="2" charset="77"/>
+              </a:rPr>
+              <a:t>“F in den Chat“</a:t>
+            </a:r>
+          </a:p>
+          <a:p>
+            <a:pPr algn="l">
+              <a:lnSpc>
+                <a:spcPct val="150000"/>
+              </a:lnSpc>
+            </a:pPr>
+            <a:r>
+              <a:rPr lang="de-DE" sz="1600" b="1" dirty="0">
+                <a:latin typeface="DM Sans" pitchFamily="2" charset="77"/>
+              </a:rPr>
+              <a:t>Gruppenmitglieder: </a:t>
+            </a:r>
+            <a:r>
+              <a:rPr lang="de-DE" sz="1600" dirty="0">
+                <a:latin typeface="DM Sans" pitchFamily="2" charset="77"/>
+                <a:ea typeface="Nirmala UI Semilight" panose="020B0402040204020203" pitchFamily="34" charset="0"/>
+                <a:cs typeface="Nirmala UI Semilight" panose="020B0402040204020203" pitchFamily="34" charset="0"/>
+              </a:rPr>
+              <a:t>Tom Eschenbach (412905), Adam Knothe (______), Patrick Zdanowski (0410378)</a:t>
+            </a:r>
+          </a:p>
+          <a:p>
+            <a:pPr algn="l">
+              <a:lnSpc>
+                <a:spcPct val="150000"/>
+              </a:lnSpc>
+            </a:pPr>
+            <a:r>
+              <a:rPr lang="de-DE" sz="1600" b="1" dirty="0">
+                <a:latin typeface="DM Sans" pitchFamily="2" charset="77"/>
+                <a:ea typeface="Nirmala UI Semilight" panose="020B0402040204020203" pitchFamily="34" charset="0"/>
+                <a:cs typeface="Nirmala UI Semilight" panose="020B0402040204020203" pitchFamily="34" charset="0"/>
+              </a:rPr>
+              <a:t>Programmiersprache: </a:t>
+            </a:r>
+            <a:r>
+              <a:rPr lang="de-DE" sz="1600" dirty="0">
+                <a:latin typeface="DM Sans" pitchFamily="2" charset="77"/>
+                <a:ea typeface="Nirmala UI Semilight" panose="020B0402040204020203" pitchFamily="34" charset="0"/>
+                <a:cs typeface="Nirmala UI Semilight" panose="020B0402040204020203" pitchFamily="34" charset="0"/>
+              </a:rPr>
+              <a:t>Java (Version 17)</a:t>
+            </a:r>
+          </a:p>
+        </p:txBody>
+      </p:sp>
     </p:spTree>
     <p:extLst>
       <p:ext uri="{BB962C8B-B14F-4D97-AF65-F5344CB8AC3E}">
-        <p14:creationId xmlns:p14="http://schemas.microsoft.com/office/powerpoint/2010/main" val="3070464110"/>
+        <p14:creationId xmlns:p14="http://schemas.microsoft.com/office/powerpoint/2010/main" val="1981242807"/>
       </p:ext>
     </p:extLst>
   </p:cSld>
@@ -3743,7 +3843,7 @@
           <p:cNvPr id="2" name="Titel 1">
             <a:extLst>
               <a:ext uri="{FF2B5EF4-FFF2-40B4-BE49-F238E27FC236}">
-                <a16:creationId xmlns:a16="http://schemas.microsoft.com/office/drawing/2014/main" id="{9AE23428-3394-A92E-1174-D932D094171E}"/>
+                <a16:creationId xmlns:a16="http://schemas.microsoft.com/office/drawing/2014/main" id="{5AA772EB-2F85-D641-B1ED-2B43FA1C49BA}"/>
               </a:ext>
             </a:extLst>
           </p:cNvPr>
@@ -3759,52 +3859,55 @@
           <a:bodyPr/>
           <a:lstStyle/>
           <a:p>
-            <a:pPr algn="ctr"/>
-            <a:r>
-              <a:rPr lang="de-DE" dirty="0" err="1">
-                <a:latin typeface="Nirmala UI" panose="020B0502040204020203" pitchFamily="34" charset="0"/>
-                <a:ea typeface="Nirmala UI" panose="020B0502040204020203" pitchFamily="34" charset="0"/>
-                <a:cs typeface="Nirmala UI" panose="020B0502040204020203" pitchFamily="34" charset="0"/>
+            <a:r>
+              <a:rPr lang="de-DE" dirty="0">
+                <a:latin typeface="DM Sans" pitchFamily="2" charset="77"/>
               </a:rPr>
-              <a:t>Benchmarktests</a:t>
-            </a:r>
-            <a:endParaRPr lang="de-DE" dirty="0">
-              <a:latin typeface="Nirmala UI" panose="020B0502040204020203" pitchFamily="34" charset="0"/>
-              <a:ea typeface="Nirmala UI" panose="020B0502040204020203" pitchFamily="34" charset="0"/>
-              <a:cs typeface="Nirmala UI" panose="020B0502040204020203" pitchFamily="34" charset="0"/>
-            </a:endParaRPr>
-          </a:p>
-        </p:txBody>
-      </p:sp>
-      <p:sp>
-        <p:nvSpPr>
-          <p:cNvPr id="3" name="Inhaltsplatzhalter 2">
-            <a:extLst>
-              <a:ext uri="{FF2B5EF4-FFF2-40B4-BE49-F238E27FC236}">
-                <a16:creationId xmlns:a16="http://schemas.microsoft.com/office/drawing/2014/main" id="{D8E12312-D6F3-9B2A-977E-FDA748DA45F0}"/>
-              </a:ext>
-            </a:extLst>
-          </p:cNvPr>
-          <p:cNvSpPr>
-            <a:spLocks noGrp="1"/>
-          </p:cNvSpPr>
-          <p:nvPr>
-            <p:ph idx="1"/>
-          </p:nvPr>
-        </p:nvSpPr>
-        <p:spPr/>
-        <p:txBody>
-          <a:bodyPr/>
-          <a:lstStyle/>
-          <a:p>
-            <a:endParaRPr lang="de-DE" dirty="0"/>
-          </a:p>
-        </p:txBody>
-      </p:sp>
+              <a:t>Klassendiagramm: Repräsentation</a:t>
+            </a:r>
+          </a:p>
+        </p:txBody>
+      </p:sp>
+      <p:pic>
+        <p:nvPicPr>
+          <p:cNvPr id="5" name="Grafik 4" descr="Ein Bild, das Text, Screenshot, Grafiksoftware, Multimedia-Software enthält.&#10;&#10;Automatisch generierte Beschreibung">
+            <a:extLst>
+              <a:ext uri="{FF2B5EF4-FFF2-40B4-BE49-F238E27FC236}">
+                <a16:creationId xmlns:a16="http://schemas.microsoft.com/office/drawing/2014/main" id="{0B1E3ABA-AE67-BD29-78C4-90D8B85613F2}"/>
+              </a:ext>
+            </a:extLst>
+          </p:cNvPr>
+          <p:cNvPicPr>
+            <a:picLocks noChangeAspect="1"/>
+          </p:cNvPicPr>
+          <p:nvPr/>
+        </p:nvPicPr>
+        <p:blipFill>
+          <a:blip r:embed="rId2">
+            <a:extLst>
+              <a:ext uri="{28A0092B-C50C-407E-A947-70E740481C1C}">
+                <a14:useLocalDpi xmlns:a14="http://schemas.microsoft.com/office/drawing/2010/main" val="0"/>
+              </a:ext>
+            </a:extLst>
+          </a:blip>
+          <a:stretch>
+            <a:fillRect/>
+          </a:stretch>
+        </p:blipFill>
+        <p:spPr>
+          <a:xfrm>
+            <a:off x="2209800" y="1690688"/>
+            <a:ext cx="7772400" cy="4934520"/>
+          </a:xfrm>
+          <a:prstGeom prst="rect">
+            <a:avLst/>
+          </a:prstGeom>
+        </p:spPr>
+      </p:pic>
     </p:spTree>
     <p:extLst>
       <p:ext uri="{BB962C8B-B14F-4D97-AF65-F5344CB8AC3E}">
-        <p14:creationId xmlns:p14="http://schemas.microsoft.com/office/powerpoint/2010/main" val="3141397206"/>
+        <p14:creationId xmlns:p14="http://schemas.microsoft.com/office/powerpoint/2010/main" val="2366273864"/>
       </p:ext>
     </p:extLst>
   </p:cSld>
@@ -3836,7 +3939,7 @@
           <p:cNvPr id="2" name="Titel 1">
             <a:extLst>
               <a:ext uri="{FF2B5EF4-FFF2-40B4-BE49-F238E27FC236}">
-                <a16:creationId xmlns:a16="http://schemas.microsoft.com/office/drawing/2014/main" id="{0A9F2BC1-15EE-BC61-1293-75E5FFE357E5}"/>
+                <a16:creationId xmlns:a16="http://schemas.microsoft.com/office/drawing/2014/main" id="{5AA772EB-2F85-D641-B1ED-2B43FA1C49BA}"/>
               </a:ext>
             </a:extLst>
           </p:cNvPr>
@@ -3852,47 +3955,463 @@
           <a:bodyPr/>
           <a:lstStyle/>
           <a:p>
-            <a:pPr algn="ctr"/>
             <a:r>
               <a:rPr lang="de-DE" dirty="0">
-                <a:latin typeface="Nirmala UI" panose="020B0502040204020203" pitchFamily="34" charset="0"/>
-                <a:ea typeface="Nirmala UI" panose="020B0502040204020203" pitchFamily="34" charset="0"/>
-                <a:cs typeface="Nirmala UI" panose="020B0502040204020203" pitchFamily="34" charset="0"/>
+                <a:latin typeface="DM Sans" pitchFamily="2" charset="77"/>
               </a:rPr>
-              <a:t>Ausblick &amp; nächste Schritte</a:t>
-            </a:r>
-          </a:p>
-        </p:txBody>
-      </p:sp>
-      <p:sp>
-        <p:nvSpPr>
-          <p:cNvPr id="3" name="Inhaltsplatzhalter 2">
-            <a:extLst>
-              <a:ext uri="{FF2B5EF4-FFF2-40B4-BE49-F238E27FC236}">
-                <a16:creationId xmlns:a16="http://schemas.microsoft.com/office/drawing/2014/main" id="{8BD6CC79-01FF-3C1D-D5FA-5A98C17455AF}"/>
-              </a:ext>
-            </a:extLst>
-          </p:cNvPr>
-          <p:cNvSpPr>
-            <a:spLocks noGrp="1"/>
-          </p:cNvSpPr>
-          <p:nvPr>
-            <p:ph idx="1"/>
-          </p:nvPr>
-        </p:nvSpPr>
-        <p:spPr/>
-        <p:txBody>
-          <a:bodyPr/>
-          <a:lstStyle/>
-          <a:p>
-            <a:endParaRPr lang="de-DE" dirty="0"/>
-          </a:p>
-        </p:txBody>
-      </p:sp>
+              <a:t>Klassendiagramm: Zuggenerierung</a:t>
+            </a:r>
+          </a:p>
+        </p:txBody>
+      </p:sp>
+      <p:pic>
+        <p:nvPicPr>
+          <p:cNvPr id="4" name="Grafik 3" descr="Ein Bild, das Text, Screenshot, Software, Multimedia-Software enthält.&#10;&#10;Automatisch generierte Beschreibung">
+            <a:extLst>
+              <a:ext uri="{FF2B5EF4-FFF2-40B4-BE49-F238E27FC236}">
+                <a16:creationId xmlns:a16="http://schemas.microsoft.com/office/drawing/2014/main" id="{44639E50-39BF-5D8A-DD72-9AEAF411CCA1}"/>
+              </a:ext>
+            </a:extLst>
+          </p:cNvPr>
+          <p:cNvPicPr>
+            <a:picLocks noChangeAspect="1"/>
+          </p:cNvPicPr>
+          <p:nvPr/>
+        </p:nvPicPr>
+        <p:blipFill>
+          <a:blip r:embed="rId2">
+            <a:extLst>
+              <a:ext uri="{28A0092B-C50C-407E-A947-70E740481C1C}">
+                <a14:useLocalDpi xmlns:a14="http://schemas.microsoft.com/office/drawing/2010/main" val="0"/>
+              </a:ext>
+            </a:extLst>
+          </a:blip>
+          <a:stretch>
+            <a:fillRect/>
+          </a:stretch>
+        </p:blipFill>
+        <p:spPr>
+          <a:xfrm>
+            <a:off x="3575304" y="1690688"/>
+            <a:ext cx="5041392" cy="4339145"/>
+          </a:xfrm>
+          <a:prstGeom prst="rect">
+            <a:avLst/>
+          </a:prstGeom>
+        </p:spPr>
+      </p:pic>
     </p:spTree>
     <p:extLst>
       <p:ext uri="{BB962C8B-B14F-4D97-AF65-F5344CB8AC3E}">
-        <p14:creationId xmlns:p14="http://schemas.microsoft.com/office/powerpoint/2010/main" val="874660227"/>
+        <p14:creationId xmlns:p14="http://schemas.microsoft.com/office/powerpoint/2010/main" val="3306821013"/>
+      </p:ext>
+    </p:extLst>
+  </p:cSld>
+  <p:clrMapOvr>
+    <a:masterClrMapping/>
+  </p:clrMapOvr>
+</p:sld>
+</file>
+
+<file path=ppt/slides/slide5.xml><?xml version="1.0" encoding="utf-8"?>
+<p:sld xmlns:a="http://schemas.openxmlformats.org/drawingml/2006/main" xmlns:r="http://schemas.openxmlformats.org/officeDocument/2006/relationships" xmlns:p="http://schemas.openxmlformats.org/presentationml/2006/main">
+  <p:cSld>
+    <p:spTree>
+      <p:nvGrpSpPr>
+        <p:cNvPr id="1" name=""/>
+        <p:cNvGrpSpPr/>
+        <p:nvPr/>
+      </p:nvGrpSpPr>
+      <p:grpSpPr>
+        <a:xfrm>
+          <a:off x="0" y="0"/>
+          <a:ext cx="0" cy="0"/>
+          <a:chOff x="0" y="0"/>
+          <a:chExt cx="0" cy="0"/>
+        </a:xfrm>
+      </p:grpSpPr>
+      <p:sp>
+        <p:nvSpPr>
+          <p:cNvPr id="2" name="Titel 1">
+            <a:extLst>
+              <a:ext uri="{FF2B5EF4-FFF2-40B4-BE49-F238E27FC236}">
+                <a16:creationId xmlns:a16="http://schemas.microsoft.com/office/drawing/2014/main" id="{5AA772EB-2F85-D641-B1ED-2B43FA1C49BA}"/>
+              </a:ext>
+            </a:extLst>
+          </p:cNvPr>
+          <p:cNvSpPr>
+            <a:spLocks noGrp="1"/>
+          </p:cNvSpPr>
+          <p:nvPr>
+            <p:ph type="title"/>
+          </p:nvPr>
+        </p:nvSpPr>
+        <p:spPr/>
+        <p:txBody>
+          <a:bodyPr/>
+          <a:lstStyle/>
+          <a:p>
+            <a:r>
+              <a:rPr lang="de-DE" dirty="0">
+                <a:latin typeface="DM Sans" pitchFamily="2" charset="77"/>
+              </a:rPr>
+              <a:t>Klassendiagramm: KI</a:t>
+            </a:r>
+          </a:p>
+        </p:txBody>
+      </p:sp>
+      <p:pic>
+        <p:nvPicPr>
+          <p:cNvPr id="5" name="Grafik 4" descr="Ein Bild, das Text, Screenshot, Multimedia-Software, Grafiksoftware enthält.&#10;&#10;Automatisch generierte Beschreibung">
+            <a:extLst>
+              <a:ext uri="{FF2B5EF4-FFF2-40B4-BE49-F238E27FC236}">
+                <a16:creationId xmlns:a16="http://schemas.microsoft.com/office/drawing/2014/main" id="{F9D60DFF-2C9A-C137-F41F-F581E1BD4620}"/>
+              </a:ext>
+            </a:extLst>
+          </p:cNvPr>
+          <p:cNvPicPr>
+            <a:picLocks noChangeAspect="1"/>
+          </p:cNvPicPr>
+          <p:nvPr/>
+        </p:nvPicPr>
+        <p:blipFill>
+          <a:blip r:embed="rId2">
+            <a:extLst>
+              <a:ext uri="{28A0092B-C50C-407E-A947-70E740481C1C}">
+                <a14:useLocalDpi xmlns:a14="http://schemas.microsoft.com/office/drawing/2010/main" val="0"/>
+              </a:ext>
+            </a:extLst>
+          </a:blip>
+          <a:stretch>
+            <a:fillRect/>
+          </a:stretch>
+        </p:blipFill>
+        <p:spPr>
+          <a:xfrm>
+            <a:off x="3238500" y="1690688"/>
+            <a:ext cx="5715000" cy="4241800"/>
+          </a:xfrm>
+          <a:prstGeom prst="rect">
+            <a:avLst/>
+          </a:prstGeom>
+        </p:spPr>
+      </p:pic>
+    </p:spTree>
+    <p:extLst>
+      <p:ext uri="{BB962C8B-B14F-4D97-AF65-F5344CB8AC3E}">
+        <p14:creationId xmlns:p14="http://schemas.microsoft.com/office/powerpoint/2010/main" val="3183923828"/>
+      </p:ext>
+    </p:extLst>
+  </p:cSld>
+  <p:clrMapOvr>
+    <a:masterClrMapping/>
+  </p:clrMapOvr>
+</p:sld>
+</file>
+
+<file path=ppt/slides/slide6.xml><?xml version="1.0" encoding="utf-8"?>
+<p:sld xmlns:a="http://schemas.openxmlformats.org/drawingml/2006/main" xmlns:r="http://schemas.openxmlformats.org/officeDocument/2006/relationships" xmlns:p="http://schemas.openxmlformats.org/presentationml/2006/main">
+  <p:cSld>
+    <p:spTree>
+      <p:nvGrpSpPr>
+        <p:cNvPr id="1" name=""/>
+        <p:cNvGrpSpPr/>
+        <p:nvPr/>
+      </p:nvGrpSpPr>
+      <p:grpSpPr>
+        <a:xfrm>
+          <a:off x="0" y="0"/>
+          <a:ext cx="0" cy="0"/>
+          <a:chOff x="0" y="0"/>
+          <a:chExt cx="0" cy="0"/>
+        </a:xfrm>
+      </p:grpSpPr>
+      <p:sp>
+        <p:nvSpPr>
+          <p:cNvPr id="2" name="Titel 1">
+            <a:extLst>
+              <a:ext uri="{FF2B5EF4-FFF2-40B4-BE49-F238E27FC236}">
+                <a16:creationId xmlns:a16="http://schemas.microsoft.com/office/drawing/2014/main" id="{5AA772EB-2F85-D641-B1ED-2B43FA1C49BA}"/>
+              </a:ext>
+            </a:extLst>
+          </p:cNvPr>
+          <p:cNvSpPr>
+            <a:spLocks noGrp="1"/>
+          </p:cNvSpPr>
+          <p:nvPr>
+            <p:ph type="title"/>
+          </p:nvPr>
+        </p:nvSpPr>
+        <p:spPr/>
+        <p:txBody>
+          <a:bodyPr/>
+          <a:lstStyle/>
+          <a:p>
+            <a:r>
+              <a:rPr lang="de-DE" dirty="0">
+                <a:latin typeface="DM Sans" pitchFamily="2" charset="77"/>
+              </a:rPr>
+              <a:t>Klassendiagramm: Benchmark &amp; Tests</a:t>
+            </a:r>
+          </a:p>
+        </p:txBody>
+      </p:sp>
+      <p:pic>
+        <p:nvPicPr>
+          <p:cNvPr id="4" name="Grafik 3" descr="Ein Bild, das Text, Screenshot, Software, Schrift enthält.&#10;&#10;Automatisch generierte Beschreibung">
+            <a:extLst>
+              <a:ext uri="{FF2B5EF4-FFF2-40B4-BE49-F238E27FC236}">
+                <a16:creationId xmlns:a16="http://schemas.microsoft.com/office/drawing/2014/main" id="{93B7F32F-B693-A428-9FA6-AE2B7951CEF5}"/>
+              </a:ext>
+            </a:extLst>
+          </p:cNvPr>
+          <p:cNvPicPr>
+            <a:picLocks noChangeAspect="1"/>
+          </p:cNvPicPr>
+          <p:nvPr/>
+        </p:nvPicPr>
+        <p:blipFill>
+          <a:blip r:embed="rId2">
+            <a:extLst>
+              <a:ext uri="{28A0092B-C50C-407E-A947-70E740481C1C}">
+                <a14:useLocalDpi xmlns:a14="http://schemas.microsoft.com/office/drawing/2010/main" val="0"/>
+              </a:ext>
+            </a:extLst>
+          </a:blip>
+          <a:stretch>
+            <a:fillRect/>
+          </a:stretch>
+        </p:blipFill>
+        <p:spPr>
+          <a:xfrm>
+            <a:off x="1574322" y="1690688"/>
+            <a:ext cx="3885782" cy="2852420"/>
+          </a:xfrm>
+          <a:prstGeom prst="rect">
+            <a:avLst/>
+          </a:prstGeom>
+        </p:spPr>
+      </p:pic>
+      <p:pic>
+        <p:nvPicPr>
+          <p:cNvPr id="7" name="Grafik 6" descr="Ein Bild, das Text, Screenshot, Software, Multimedia-Software enthält.&#10;&#10;Automatisch generierte Beschreibung">
+            <a:extLst>
+              <a:ext uri="{FF2B5EF4-FFF2-40B4-BE49-F238E27FC236}">
+                <a16:creationId xmlns:a16="http://schemas.microsoft.com/office/drawing/2014/main" id="{A2FAAE33-A924-0835-EB6D-2A382350052B}"/>
+              </a:ext>
+            </a:extLst>
+          </p:cNvPr>
+          <p:cNvPicPr>
+            <a:picLocks noChangeAspect="1"/>
+          </p:cNvPicPr>
+          <p:nvPr/>
+        </p:nvPicPr>
+        <p:blipFill>
+          <a:blip r:embed="rId3">
+            <a:extLst>
+              <a:ext uri="{28A0092B-C50C-407E-A947-70E740481C1C}">
+                <a14:useLocalDpi xmlns:a14="http://schemas.microsoft.com/office/drawing/2010/main" val="0"/>
+              </a:ext>
+            </a:extLst>
+          </a:blip>
+          <a:stretch>
+            <a:fillRect/>
+          </a:stretch>
+        </p:blipFill>
+        <p:spPr>
+          <a:xfrm>
+            <a:off x="6096000" y="1690688"/>
+            <a:ext cx="4216284" cy="3767328"/>
+          </a:xfrm>
+          <a:prstGeom prst="rect">
+            <a:avLst/>
+          </a:prstGeom>
+        </p:spPr>
+      </p:pic>
+    </p:spTree>
+    <p:extLst>
+      <p:ext uri="{BB962C8B-B14F-4D97-AF65-F5344CB8AC3E}">
+        <p14:creationId xmlns:p14="http://schemas.microsoft.com/office/powerpoint/2010/main" val="2699970242"/>
+      </p:ext>
+    </p:extLst>
+  </p:cSld>
+  <p:clrMapOvr>
+    <a:masterClrMapping/>
+  </p:clrMapOvr>
+</p:sld>
+</file>
+
+<file path=ppt/slides/slide7.xml><?xml version="1.0" encoding="utf-8"?>
+<p:sld xmlns:a="http://schemas.openxmlformats.org/drawingml/2006/main" xmlns:r="http://schemas.openxmlformats.org/officeDocument/2006/relationships" xmlns:p="http://schemas.openxmlformats.org/presentationml/2006/main">
+  <p:cSld>
+    <p:spTree>
+      <p:nvGrpSpPr>
+        <p:cNvPr id="1" name=""/>
+        <p:cNvGrpSpPr/>
+        <p:nvPr/>
+      </p:nvGrpSpPr>
+      <p:grpSpPr>
+        <a:xfrm>
+          <a:off x="0" y="0"/>
+          <a:ext cx="0" cy="0"/>
+          <a:chOff x="0" y="0"/>
+          <a:chExt cx="0" cy="0"/>
+        </a:xfrm>
+      </p:grpSpPr>
+      <p:sp>
+        <p:nvSpPr>
+          <p:cNvPr id="2" name="Titel 1">
+            <a:extLst>
+              <a:ext uri="{FF2B5EF4-FFF2-40B4-BE49-F238E27FC236}">
+                <a16:creationId xmlns:a16="http://schemas.microsoft.com/office/drawing/2014/main" id="{5AA772EB-2F85-D641-B1ED-2B43FA1C49BA}"/>
+              </a:ext>
+            </a:extLst>
+          </p:cNvPr>
+          <p:cNvSpPr>
+            <a:spLocks noGrp="1"/>
+          </p:cNvSpPr>
+          <p:nvPr>
+            <p:ph type="title"/>
+          </p:nvPr>
+        </p:nvSpPr>
+        <p:spPr/>
+        <p:txBody>
+          <a:bodyPr/>
+          <a:lstStyle/>
+          <a:p>
+            <a:r>
+              <a:rPr lang="de-DE" dirty="0">
+                <a:latin typeface="DM Sans" pitchFamily="2" charset="77"/>
+              </a:rPr>
+              <a:t>Benchmarks</a:t>
+            </a:r>
+          </a:p>
+        </p:txBody>
+      </p:sp>
+      <p:sp>
+        <p:nvSpPr>
+          <p:cNvPr id="3" name="Inhaltsplatzhalter 2">
+            <a:extLst>
+              <a:ext uri="{FF2B5EF4-FFF2-40B4-BE49-F238E27FC236}">
+                <a16:creationId xmlns:a16="http://schemas.microsoft.com/office/drawing/2014/main" id="{EE3C1B38-B6C1-FCDB-1B7B-8A85D0E9F7C5}"/>
+              </a:ext>
+            </a:extLst>
+          </p:cNvPr>
+          <p:cNvSpPr>
+            <a:spLocks noGrp="1"/>
+          </p:cNvSpPr>
+          <p:nvPr>
+            <p:ph idx="1"/>
+          </p:nvPr>
+        </p:nvSpPr>
+        <p:spPr/>
+        <p:txBody>
+          <a:bodyPr/>
+          <a:lstStyle/>
+          <a:p>
+            <a:r>
+              <a:rPr lang="de-DE" dirty="0">
+                <a:latin typeface="DM Sans" pitchFamily="2" charset="77"/>
+              </a:rPr>
+              <a:t>Hier stehen die Benchmark-Ergebnisse</a:t>
+            </a:r>
+          </a:p>
+        </p:txBody>
+      </p:sp>
+    </p:spTree>
+    <p:extLst>
+      <p:ext uri="{BB962C8B-B14F-4D97-AF65-F5344CB8AC3E}">
+        <p14:creationId xmlns:p14="http://schemas.microsoft.com/office/powerpoint/2010/main" val="4224451540"/>
+      </p:ext>
+    </p:extLst>
+  </p:cSld>
+  <p:clrMapOvr>
+    <a:masterClrMapping/>
+  </p:clrMapOvr>
+</p:sld>
+</file>
+
+<file path=ppt/slides/slide8.xml><?xml version="1.0" encoding="utf-8"?>
+<p:sld xmlns:a="http://schemas.openxmlformats.org/drawingml/2006/main" xmlns:r="http://schemas.openxmlformats.org/officeDocument/2006/relationships" xmlns:p="http://schemas.openxmlformats.org/presentationml/2006/main">
+  <p:cSld>
+    <p:spTree>
+      <p:nvGrpSpPr>
+        <p:cNvPr id="1" name=""/>
+        <p:cNvGrpSpPr/>
+        <p:nvPr/>
+      </p:nvGrpSpPr>
+      <p:grpSpPr>
+        <a:xfrm>
+          <a:off x="0" y="0"/>
+          <a:ext cx="0" cy="0"/>
+          <a:chOff x="0" y="0"/>
+          <a:chExt cx="0" cy="0"/>
+        </a:xfrm>
+      </p:grpSpPr>
+      <p:sp>
+        <p:nvSpPr>
+          <p:cNvPr id="2" name="Titel 1">
+            <a:extLst>
+              <a:ext uri="{FF2B5EF4-FFF2-40B4-BE49-F238E27FC236}">
+                <a16:creationId xmlns:a16="http://schemas.microsoft.com/office/drawing/2014/main" id="{5AA772EB-2F85-D641-B1ED-2B43FA1C49BA}"/>
+              </a:ext>
+            </a:extLst>
+          </p:cNvPr>
+          <p:cNvSpPr>
+            <a:spLocks noGrp="1"/>
+          </p:cNvSpPr>
+          <p:nvPr>
+            <p:ph type="title"/>
+          </p:nvPr>
+        </p:nvSpPr>
+        <p:spPr/>
+        <p:txBody>
+          <a:bodyPr/>
+          <a:lstStyle/>
+          <a:p>
+            <a:r>
+              <a:rPr lang="de-DE" dirty="0">
+                <a:latin typeface="DM Sans" pitchFamily="2" charset="77"/>
+              </a:rPr>
+              <a:t>Ausblick</a:t>
+            </a:r>
+          </a:p>
+        </p:txBody>
+      </p:sp>
+      <p:sp>
+        <p:nvSpPr>
+          <p:cNvPr id="3" name="Inhaltsplatzhalter 2">
+            <a:extLst>
+              <a:ext uri="{FF2B5EF4-FFF2-40B4-BE49-F238E27FC236}">
+                <a16:creationId xmlns:a16="http://schemas.microsoft.com/office/drawing/2014/main" id="{EE3C1B38-B6C1-FCDB-1B7B-8A85D0E9F7C5}"/>
+              </a:ext>
+            </a:extLst>
+          </p:cNvPr>
+          <p:cNvSpPr>
+            <a:spLocks noGrp="1"/>
+          </p:cNvSpPr>
+          <p:nvPr>
+            <p:ph idx="1"/>
+          </p:nvPr>
+        </p:nvSpPr>
+        <p:spPr/>
+        <p:txBody>
+          <a:bodyPr/>
+          <a:lstStyle/>
+          <a:p>
+            <a:r>
+              <a:rPr lang="de-DE" dirty="0">
+                <a:latin typeface="DM Sans" pitchFamily="2" charset="77"/>
+              </a:rPr>
+              <a:t>Hier steht der Ausblick</a:t>
+            </a:r>
+          </a:p>
+        </p:txBody>
+      </p:sp>
+    </p:spTree>
+    <p:extLst>
+      <p:ext uri="{BB962C8B-B14F-4D97-AF65-F5344CB8AC3E}">
+        <p14:creationId xmlns:p14="http://schemas.microsoft.com/office/powerpoint/2010/main" val="4049893299"/>
       </p:ext>
     </p:extLst>
   </p:cSld>

--- a/PJ_KI_MST1.pptx
+++ b/PJ_KI_MST1.pptx
@@ -5,14 +5,13 @@
     <p:sldMasterId id="2147483648" r:id="rId1"/>
   </p:sldMasterIdLst>
   <p:sldIdLst>
-    <p:sldId id="256" r:id="rId2"/>
-    <p:sldId id="260" r:id="rId3"/>
-    <p:sldId id="257" r:id="rId4"/>
-    <p:sldId id="261" r:id="rId5"/>
-    <p:sldId id="262" r:id="rId6"/>
-    <p:sldId id="263" r:id="rId7"/>
-    <p:sldId id="258" r:id="rId8"/>
-    <p:sldId id="259" r:id="rId9"/>
+    <p:sldId id="260" r:id="rId2"/>
+    <p:sldId id="257" r:id="rId3"/>
+    <p:sldId id="261" r:id="rId4"/>
+    <p:sldId id="262" r:id="rId5"/>
+    <p:sldId id="263" r:id="rId6"/>
+    <p:sldId id="258" r:id="rId7"/>
+    <p:sldId id="259" r:id="rId8"/>
   </p:sldIdLst>
   <p:sldSz cx="12192000" cy="6858000"/>
   <p:notesSz cx="6858000" cy="9144000"/>
@@ -3362,316 +3361,6 @@
           <a:lstStyle/>
           <a:p>
             <a:r>
-              <a:rPr lang="de-DE" sz="4400" dirty="0">
-                <a:latin typeface="DM Sans" pitchFamily="2" charset="77"/>
-                <a:ea typeface="Nirmala UI" panose="020B0502040204020203" pitchFamily="34" charset="0"/>
-                <a:cs typeface="Nirmala UI" panose="020B0502040204020203" pitchFamily="34" charset="0"/>
-              </a:rPr>
-              <a:t>Projekt symbolische Künstliche Intelligenz</a:t>
-            </a:r>
-            <a:br>
-              <a:rPr lang="de-DE" sz="4400" dirty="0">
-                <a:latin typeface="DM Sans" pitchFamily="2" charset="77"/>
-                <a:ea typeface="Nirmala UI" panose="020B0502040204020203" pitchFamily="34" charset="0"/>
-                <a:cs typeface="Nirmala UI" panose="020B0502040204020203" pitchFamily="34" charset="0"/>
-              </a:rPr>
-            </a:br>
-            <a:r>
-              <a:rPr lang="de-DE" sz="4400" dirty="0">
-                <a:latin typeface="DM Sans" pitchFamily="2" charset="77"/>
-                <a:ea typeface="Nirmala UI" panose="020B0502040204020203" pitchFamily="34" charset="0"/>
-                <a:cs typeface="Nirmala UI" panose="020B0502040204020203" pitchFamily="34" charset="0"/>
-              </a:rPr>
-              <a:t>Meilenstein 1 - Dummy KI</a:t>
-            </a:r>
-          </a:p>
-        </p:txBody>
-      </p:sp>
-      <p:sp>
-        <p:nvSpPr>
-          <p:cNvPr id="3" name="Untertitel 2">
-            <a:extLst>
-              <a:ext uri="{FF2B5EF4-FFF2-40B4-BE49-F238E27FC236}">
-                <a16:creationId xmlns:a16="http://schemas.microsoft.com/office/drawing/2014/main" id="{61F0EA1B-406F-54D3-6081-65CB9C57BBA0}"/>
-              </a:ext>
-            </a:extLst>
-          </p:cNvPr>
-          <p:cNvSpPr>
-            <a:spLocks noGrp="1"/>
-          </p:cNvSpPr>
-          <p:nvPr>
-            <p:ph type="subTitle" idx="1"/>
-          </p:nvPr>
-        </p:nvSpPr>
-        <p:spPr>
-          <a:xfrm>
-            <a:off x="5842959" y="2848029"/>
-            <a:ext cx="5362754" cy="1655762"/>
-          </a:xfrm>
-        </p:spPr>
-        <p:txBody>
-          <a:bodyPr>
-            <a:normAutofit lnSpcReduction="10000"/>
-          </a:bodyPr>
-          <a:lstStyle/>
-          <a:p>
-            <a:pPr algn="l"/>
-            <a:r>
-              <a:rPr lang="de-DE" dirty="0">
-                <a:latin typeface="DM Sans" pitchFamily="2" charset="77"/>
-                <a:ea typeface="Nirmala UI Semilight" panose="020B0402040204020203" pitchFamily="34" charset="0"/>
-                <a:cs typeface="Nirmala UI Semilight" panose="020B0402040204020203" pitchFamily="34" charset="0"/>
-              </a:rPr>
-              <a:t>Gruppenmitglieder:</a:t>
-            </a:r>
-          </a:p>
-          <a:p>
-            <a:pPr algn="l"/>
-            <a:r>
-              <a:rPr lang="de-DE" dirty="0">
-                <a:latin typeface="DM Sans" pitchFamily="2" charset="77"/>
-                <a:ea typeface="Nirmala UI Semilight" panose="020B0402040204020203" pitchFamily="34" charset="0"/>
-                <a:cs typeface="Nirmala UI Semilight" panose="020B0402040204020203" pitchFamily="34" charset="0"/>
-              </a:rPr>
-              <a:t>Eschenbach, Tom	412905</a:t>
-            </a:r>
-          </a:p>
-          <a:p>
-            <a:pPr algn="l"/>
-            <a:r>
-              <a:rPr lang="de-DE" dirty="0">
-                <a:latin typeface="DM Sans" pitchFamily="2" charset="77"/>
-                <a:ea typeface="Nirmala UI Semilight" panose="020B0402040204020203" pitchFamily="34" charset="0"/>
-                <a:cs typeface="Nirmala UI Semilight" panose="020B0402040204020203" pitchFamily="34" charset="0"/>
-              </a:rPr>
-              <a:t>Knothe, Adam	</a:t>
-            </a:r>
-            <a:r>
-              <a:rPr lang="de-DE" dirty="0" err="1">
-                <a:latin typeface="DM Sans" pitchFamily="2" charset="77"/>
-                <a:ea typeface="Nirmala UI Semilight" panose="020B0402040204020203" pitchFamily="34" charset="0"/>
-                <a:cs typeface="Nirmala UI Semilight" panose="020B0402040204020203" pitchFamily="34" charset="0"/>
-              </a:rPr>
-              <a:t>Matr</a:t>
-            </a:r>
-            <a:r>
-              <a:rPr lang="de-DE" dirty="0">
-                <a:latin typeface="DM Sans" pitchFamily="2" charset="77"/>
-                <a:ea typeface="Nirmala UI Semilight" panose="020B0402040204020203" pitchFamily="34" charset="0"/>
-                <a:cs typeface="Nirmala UI Semilight" panose="020B0402040204020203" pitchFamily="34" charset="0"/>
-              </a:rPr>
-              <a:t>.-Nr.</a:t>
-            </a:r>
-          </a:p>
-          <a:p>
-            <a:pPr algn="l"/>
-            <a:r>
-              <a:rPr lang="de-DE" dirty="0">
-                <a:latin typeface="DM Sans" pitchFamily="2" charset="77"/>
-                <a:ea typeface="Nirmala UI Semilight" panose="020B0402040204020203" pitchFamily="34" charset="0"/>
-                <a:cs typeface="Nirmala UI Semilight" panose="020B0402040204020203" pitchFamily="34" charset="0"/>
-              </a:rPr>
-              <a:t>Zdanowski, Patrick	</a:t>
-            </a:r>
-            <a:r>
-              <a:rPr lang="de-DE" dirty="0" err="1">
-                <a:latin typeface="DM Sans" pitchFamily="2" charset="77"/>
-                <a:ea typeface="Nirmala UI Semilight" panose="020B0402040204020203" pitchFamily="34" charset="0"/>
-                <a:cs typeface="Nirmala UI Semilight" panose="020B0402040204020203" pitchFamily="34" charset="0"/>
-              </a:rPr>
-              <a:t>Matr</a:t>
-            </a:r>
-            <a:r>
-              <a:rPr lang="de-DE" dirty="0">
-                <a:latin typeface="DM Sans" pitchFamily="2" charset="77"/>
-                <a:ea typeface="Nirmala UI Semilight" panose="020B0402040204020203" pitchFamily="34" charset="0"/>
-                <a:cs typeface="Nirmala UI Semilight" panose="020B0402040204020203" pitchFamily="34" charset="0"/>
-              </a:rPr>
-              <a:t>.-Nr.</a:t>
-            </a:r>
-          </a:p>
-          <a:p>
-            <a:endParaRPr lang="de-DE" dirty="0">
-              <a:latin typeface="DM Sans" pitchFamily="2" charset="77"/>
-            </a:endParaRPr>
-          </a:p>
-        </p:txBody>
-      </p:sp>
-      <p:sp>
-        <p:nvSpPr>
-          <p:cNvPr id="4" name="Textfeld 3">
-            <a:extLst>
-              <a:ext uri="{FF2B5EF4-FFF2-40B4-BE49-F238E27FC236}">
-                <a16:creationId xmlns:a16="http://schemas.microsoft.com/office/drawing/2014/main" id="{0ED2BD82-F6BB-8574-EA9A-9FCC0915258B}"/>
-              </a:ext>
-            </a:extLst>
-          </p:cNvPr>
-          <p:cNvSpPr txBox="1"/>
-          <p:nvPr/>
-        </p:nvSpPr>
-        <p:spPr>
-          <a:xfrm>
-            <a:off x="4292694" y="5146970"/>
-            <a:ext cx="3313728" cy="830997"/>
-          </a:xfrm>
-          <a:prstGeom prst="rect">
-            <a:avLst/>
-          </a:prstGeom>
-          <a:noFill/>
-        </p:spPr>
-        <p:txBody>
-          <a:bodyPr wrap="none" rtlCol="0">
-            <a:spAutoFit/>
-          </a:bodyPr>
-          <a:lstStyle/>
-          <a:p>
-            <a:r>
-              <a:rPr lang="de-DE" sz="2400" dirty="0">
-                <a:latin typeface="DM Sans" pitchFamily="2" charset="77"/>
-                <a:ea typeface="Nirmala UI Semilight" panose="020B0402040204020203" pitchFamily="34" charset="0"/>
-                <a:cs typeface="Nirmala UI Semilight" panose="020B0402040204020203" pitchFamily="34" charset="0"/>
-              </a:rPr>
-              <a:t>Programmiersprache: </a:t>
-            </a:r>
-          </a:p>
-          <a:p>
-            <a:pPr algn="ctr"/>
-            <a:r>
-              <a:rPr lang="de-DE" sz="2400" dirty="0">
-                <a:latin typeface="DM Sans" pitchFamily="2" charset="77"/>
-                <a:ea typeface="Nirmala UI Semilight" panose="020B0402040204020203" pitchFamily="34" charset="0"/>
-                <a:cs typeface="Nirmala UI Semilight" panose="020B0402040204020203" pitchFamily="34" charset="0"/>
-              </a:rPr>
-              <a:t>Java (Version 17.0.7)</a:t>
-            </a:r>
-          </a:p>
-        </p:txBody>
-      </p:sp>
-      <p:sp>
-        <p:nvSpPr>
-          <p:cNvPr id="5" name="Textfeld 4">
-            <a:extLst>
-              <a:ext uri="{FF2B5EF4-FFF2-40B4-BE49-F238E27FC236}">
-                <a16:creationId xmlns:a16="http://schemas.microsoft.com/office/drawing/2014/main" id="{2AA7F2A8-3EDB-BEBE-BD2F-A4E608759645}"/>
-              </a:ext>
-            </a:extLst>
-          </p:cNvPr>
-          <p:cNvSpPr txBox="1"/>
-          <p:nvPr/>
-        </p:nvSpPr>
-        <p:spPr>
-          <a:xfrm>
-            <a:off x="1446779" y="2934131"/>
-            <a:ext cx="3238387" cy="1569660"/>
-          </a:xfrm>
-          <a:prstGeom prst="rect">
-            <a:avLst/>
-          </a:prstGeom>
-          <a:noFill/>
-        </p:spPr>
-        <p:txBody>
-          <a:bodyPr wrap="none" rtlCol="0">
-            <a:spAutoFit/>
-          </a:bodyPr>
-          <a:lstStyle/>
-          <a:p>
-            <a:r>
-              <a:rPr lang="de-DE" sz="2400" dirty="0">
-                <a:latin typeface="DM Sans" pitchFamily="2" charset="77"/>
-                <a:ea typeface="Nirmala UI Semilight" panose="020B0402040204020203" pitchFamily="34" charset="0"/>
-                <a:cs typeface="Nirmala UI Semilight" panose="020B0402040204020203" pitchFamily="34" charset="0"/>
-              </a:rPr>
-              <a:t>Gruppenname:</a:t>
-            </a:r>
-          </a:p>
-          <a:p>
-            <a:r>
-              <a:rPr lang="de-DE" sz="2400" dirty="0">
-                <a:latin typeface="DM Sans" pitchFamily="2" charset="77"/>
-                <a:ea typeface="Nirmala UI Semilight" panose="020B0402040204020203" pitchFamily="34" charset="0"/>
-                <a:cs typeface="Nirmala UI Semilight" panose="020B0402040204020203" pitchFamily="34" charset="0"/>
-              </a:rPr>
-              <a:t>Gruppe F in den Chat</a:t>
-            </a:r>
-          </a:p>
-          <a:p>
-            <a:endParaRPr lang="de-DE" sz="2400" dirty="0">
-              <a:latin typeface="DM Sans" pitchFamily="2" charset="77"/>
-              <a:ea typeface="Nirmala UI Semilight" panose="020B0402040204020203" pitchFamily="34" charset="0"/>
-              <a:cs typeface="Nirmala UI Semilight" panose="020B0402040204020203" pitchFamily="34" charset="0"/>
-            </a:endParaRPr>
-          </a:p>
-          <a:p>
-            <a:r>
-              <a:rPr lang="de-DE" sz="2400" dirty="0">
-                <a:latin typeface="DM Sans" pitchFamily="2" charset="77"/>
-                <a:ea typeface="Nirmala UI Semilight" panose="020B0402040204020203" pitchFamily="34" charset="0"/>
-                <a:cs typeface="Nirmala UI Semilight" panose="020B0402040204020203" pitchFamily="34" charset="0"/>
-              </a:rPr>
-              <a:t>Auf ISIS: Gruppe F</a:t>
-            </a:r>
-          </a:p>
-        </p:txBody>
-      </p:sp>
-    </p:spTree>
-    <p:extLst>
-      <p:ext uri="{BB962C8B-B14F-4D97-AF65-F5344CB8AC3E}">
-        <p14:creationId xmlns:p14="http://schemas.microsoft.com/office/powerpoint/2010/main" val="3319380857"/>
-      </p:ext>
-    </p:extLst>
-  </p:cSld>
-  <p:clrMapOvr>
-    <a:masterClrMapping/>
-  </p:clrMapOvr>
-</p:sld>
-</file>
-
-<file path=ppt/slides/slide2.xml><?xml version="1.0" encoding="utf-8"?>
-<p:sld xmlns:a="http://schemas.openxmlformats.org/drawingml/2006/main" xmlns:r="http://schemas.openxmlformats.org/officeDocument/2006/relationships" xmlns:p="http://schemas.openxmlformats.org/presentationml/2006/main">
-  <p:cSld>
-    <p:spTree>
-      <p:nvGrpSpPr>
-        <p:cNvPr id="1" name=""/>
-        <p:cNvGrpSpPr/>
-        <p:nvPr/>
-      </p:nvGrpSpPr>
-      <p:grpSpPr>
-        <a:xfrm>
-          <a:off x="0" y="0"/>
-          <a:ext cx="0" cy="0"/>
-          <a:chOff x="0" y="0"/>
-          <a:chExt cx="0" cy="0"/>
-        </a:xfrm>
-      </p:grpSpPr>
-      <p:sp>
-        <p:nvSpPr>
-          <p:cNvPr id="2" name="Titel 1">
-            <a:extLst>
-              <a:ext uri="{FF2B5EF4-FFF2-40B4-BE49-F238E27FC236}">
-                <a16:creationId xmlns:a16="http://schemas.microsoft.com/office/drawing/2014/main" id="{552AB03A-ED9E-6C85-B8B5-390779DE40CC}"/>
-              </a:ext>
-            </a:extLst>
-          </p:cNvPr>
-          <p:cNvSpPr>
-            <a:spLocks noGrp="1"/>
-          </p:cNvSpPr>
-          <p:nvPr>
-            <p:ph type="ctrTitle"/>
-          </p:nvPr>
-        </p:nvSpPr>
-        <p:spPr>
-          <a:xfrm>
-            <a:off x="700177" y="699078"/>
-            <a:ext cx="10791645" cy="1387864"/>
-          </a:xfrm>
-        </p:spPr>
-        <p:txBody>
-          <a:bodyPr>
-            <a:normAutofit fontScale="90000"/>
-          </a:bodyPr>
-          <a:lstStyle/>
-          <a:p>
-            <a:r>
               <a:rPr lang="de-DE" sz="4400" b="1" dirty="0">
                 <a:latin typeface="DM Sans" pitchFamily="2" charset="77"/>
                 <a:ea typeface="Nirmala UI" panose="020B0502040204020203" pitchFamily="34" charset="0"/>
@@ -3821,7 +3510,7 @@
 </p:sld>
 </file>
 
-<file path=ppt/slides/slide3.xml><?xml version="1.0" encoding="utf-8"?>
+<file path=ppt/slides/slide2.xml><?xml version="1.0" encoding="utf-8"?>
 <p:sld xmlns:a="http://schemas.openxmlformats.org/drawingml/2006/main" xmlns:r="http://schemas.openxmlformats.org/officeDocument/2006/relationships" xmlns:p="http://schemas.openxmlformats.org/presentationml/2006/main">
   <p:cSld>
     <p:spTree>
@@ -3917,7 +3606,7 @@
 </p:sld>
 </file>
 
-<file path=ppt/slides/slide4.xml><?xml version="1.0" encoding="utf-8"?>
+<file path=ppt/slides/slide3.xml><?xml version="1.0" encoding="utf-8"?>
 <p:sld xmlns:a="http://schemas.openxmlformats.org/drawingml/2006/main" xmlns:r="http://schemas.openxmlformats.org/officeDocument/2006/relationships" xmlns:p="http://schemas.openxmlformats.org/presentationml/2006/main">
   <p:cSld>
     <p:spTree>
@@ -4013,7 +3702,7 @@
 </p:sld>
 </file>
 
-<file path=ppt/slides/slide5.xml><?xml version="1.0" encoding="utf-8"?>
+<file path=ppt/slides/slide4.xml><?xml version="1.0" encoding="utf-8"?>
 <p:sld xmlns:a="http://schemas.openxmlformats.org/drawingml/2006/main" xmlns:r="http://schemas.openxmlformats.org/officeDocument/2006/relationships" xmlns:p="http://schemas.openxmlformats.org/presentationml/2006/main">
   <p:cSld>
     <p:spTree>
@@ -4109,7 +3798,7 @@
 </p:sld>
 </file>
 
-<file path=ppt/slides/slide6.xml><?xml version="1.0" encoding="utf-8"?>
+<file path=ppt/slides/slide5.xml><?xml version="1.0" encoding="utf-8"?>
 <p:sld xmlns:a="http://schemas.openxmlformats.org/drawingml/2006/main" xmlns:r="http://schemas.openxmlformats.org/officeDocument/2006/relationships" xmlns:p="http://schemas.openxmlformats.org/presentationml/2006/main">
   <p:cSld>
     <p:spTree>
@@ -4241,7 +3930,7 @@
 </p:sld>
 </file>
 
-<file path=ppt/slides/slide7.xml><?xml version="1.0" encoding="utf-8"?>
+<file path=ppt/slides/slide6.xml><?xml version="1.0" encoding="utf-8"?>
 <p:sld xmlns:a="http://schemas.openxmlformats.org/drawingml/2006/main" xmlns:r="http://schemas.openxmlformats.org/officeDocument/2006/relationships" xmlns:p="http://schemas.openxmlformats.org/presentationml/2006/main">
   <p:cSld>
     <p:spTree>
@@ -4283,38 +3972,584 @@
               <a:rPr lang="de-DE" dirty="0">
                 <a:latin typeface="DM Sans" pitchFamily="2" charset="77"/>
               </a:rPr>
-              <a:t>Benchmarks</a:t>
-            </a:r>
-          </a:p>
-        </p:txBody>
-      </p:sp>
-      <p:sp>
-        <p:nvSpPr>
-          <p:cNvPr id="3" name="Inhaltsplatzhalter 2">
-            <a:extLst>
-              <a:ext uri="{FF2B5EF4-FFF2-40B4-BE49-F238E27FC236}">
-                <a16:creationId xmlns:a16="http://schemas.microsoft.com/office/drawing/2014/main" id="{EE3C1B38-B6C1-FCDB-1B7B-8A85D0E9F7C5}"/>
-              </a:ext>
-            </a:extLst>
-          </p:cNvPr>
-          <p:cNvSpPr>
-            <a:spLocks noGrp="1"/>
-          </p:cNvSpPr>
-          <p:nvPr>
-            <p:ph idx="1"/>
-          </p:nvPr>
-        </p:nvSpPr>
-        <p:spPr/>
-        <p:txBody>
-          <a:bodyPr/>
+              <a:t>Zuggenerator Benchmarks</a:t>
+            </a:r>
+          </a:p>
+        </p:txBody>
+      </p:sp>
+      <p:graphicFrame>
+        <p:nvGraphicFramePr>
+          <p:cNvPr id="6" name="Tabelle 6">
+            <a:extLst>
+              <a:ext uri="{FF2B5EF4-FFF2-40B4-BE49-F238E27FC236}">
+                <a16:creationId xmlns:a16="http://schemas.microsoft.com/office/drawing/2014/main" id="{27F45AFD-A7C5-BADF-B2B9-B7777542A688}"/>
+              </a:ext>
+            </a:extLst>
+          </p:cNvPr>
+          <p:cNvGraphicFramePr>
+            <a:graphicFrameLocks noGrp="1"/>
+          </p:cNvGraphicFramePr>
+          <p:nvPr>
+            <p:extLst>
+              <p:ext uri="{D42A27DB-BD31-4B8C-83A1-F6EECF244321}">
+                <p14:modId xmlns:p14="http://schemas.microsoft.com/office/powerpoint/2010/main" val="1740349868"/>
+              </p:ext>
+            </p:extLst>
+          </p:nvPr>
+        </p:nvGraphicFramePr>
+        <p:xfrm>
+          <a:off x="838200" y="1928272"/>
+          <a:ext cx="10515600" cy="3001456"/>
+        </p:xfrm>
+        <a:graphic>
+          <a:graphicData uri="http://schemas.openxmlformats.org/drawingml/2006/table">
+            <a:tbl>
+              <a:tblPr firstRow="1" bandRow="1">
+                <a:tableStyleId>{5940675A-B579-460E-94D1-54222C63F5DA}</a:tableStyleId>
+              </a:tblPr>
+              <a:tblGrid>
+                <a:gridCol w="2901696">
+                  <a:extLst>
+                    <a:ext uri="{9D8B030D-6E8A-4147-A177-3AD203B41FA5}">
+                      <a16:colId xmlns:a16="http://schemas.microsoft.com/office/drawing/2014/main" val="3039502522"/>
+                    </a:ext>
+                  </a:extLst>
+                </a:gridCol>
+                <a:gridCol w="2496312">
+                  <a:extLst>
+                    <a:ext uri="{9D8B030D-6E8A-4147-A177-3AD203B41FA5}">
+                      <a16:colId xmlns:a16="http://schemas.microsoft.com/office/drawing/2014/main" val="566495651"/>
+                    </a:ext>
+                  </a:extLst>
+                </a:gridCol>
+                <a:gridCol w="2560320">
+                  <a:extLst>
+                    <a:ext uri="{9D8B030D-6E8A-4147-A177-3AD203B41FA5}">
+                      <a16:colId xmlns:a16="http://schemas.microsoft.com/office/drawing/2014/main" val="529561781"/>
+                    </a:ext>
+                  </a:extLst>
+                </a:gridCol>
+                <a:gridCol w="2557272">
+                  <a:extLst>
+                    <a:ext uri="{9D8B030D-6E8A-4147-A177-3AD203B41FA5}">
+                      <a16:colId xmlns:a16="http://schemas.microsoft.com/office/drawing/2014/main" val="668892078"/>
+                    </a:ext>
+                  </a:extLst>
+                </a:gridCol>
+              </a:tblGrid>
+              <a:tr h="370840">
+                <a:tc>
+                  <a:txBody>
+                    <a:bodyPr/>
+                    <a:lstStyle/>
+                    <a:p>
+                      <a:r>
+                        <a:rPr lang="de-DE" b="1" dirty="0">
+                          <a:latin typeface="DM Sans" pitchFamily="2" charset="77"/>
+                        </a:rPr>
+                        <a:t>Rechnerkonfiguration</a:t>
+                      </a:r>
+                    </a:p>
+                  </a:txBody>
+                  <a:tcPr/>
+                </a:tc>
+                <a:tc>
+                  <a:txBody>
+                    <a:bodyPr/>
+                    <a:lstStyle/>
+                    <a:p>
+                      <a:r>
+                        <a:rPr lang="de-DE" b="1" dirty="0">
+                          <a:latin typeface="DM Sans" pitchFamily="2" charset="77"/>
+                        </a:rPr>
+                        <a:t>Zeit Startstellung</a:t>
+                      </a:r>
+                    </a:p>
+                  </a:txBody>
+                  <a:tcPr/>
+                </a:tc>
+                <a:tc>
+                  <a:txBody>
+                    <a:bodyPr/>
+                    <a:lstStyle/>
+                    <a:p>
+                      <a:r>
+                        <a:rPr lang="de-DE" b="1" dirty="0">
+                          <a:latin typeface="DM Sans" pitchFamily="2" charset="77"/>
+                        </a:rPr>
+                        <a:t>Zeit Mittelspiel</a:t>
+                      </a:r>
+                    </a:p>
+                  </a:txBody>
+                  <a:tcPr/>
+                </a:tc>
+                <a:tc>
+                  <a:txBody>
+                    <a:bodyPr/>
+                    <a:lstStyle/>
+                    <a:p>
+                      <a:r>
+                        <a:rPr lang="de-DE" b="1" dirty="0">
+                          <a:latin typeface="DM Sans" pitchFamily="2" charset="77"/>
+                        </a:rPr>
+                        <a:t>Zeit Endspiel</a:t>
+                      </a:r>
+                    </a:p>
+                  </a:txBody>
+                  <a:tcPr/>
+                </a:tc>
+                <a:extLst>
+                  <a:ext uri="{0D108BD9-81ED-4DB2-BD59-A6C34878D82A}">
+                    <a16:rowId xmlns:a16="http://schemas.microsoft.com/office/drawing/2014/main" val="4077966232"/>
+                  </a:ext>
+                </a:extLst>
+              </a:tr>
+              <a:tr h="370840">
+                <a:tc>
+                  <a:txBody>
+                    <a:bodyPr/>
+                    <a:lstStyle/>
+                    <a:p>
+                      <a:pPr>
+                        <a:lnSpc>
+                          <a:spcPct val="150000"/>
+                        </a:lnSpc>
+                      </a:pPr>
+                      <a:r>
+                        <a:rPr lang="de-DE" dirty="0">
+                          <a:latin typeface="DM Sans" pitchFamily="2" charset="77"/>
+                        </a:rPr>
+                        <a:t>Prozessor: M1 Max</a:t>
+                      </a:r>
+                    </a:p>
+                    <a:p>
+                      <a:pPr>
+                        <a:lnSpc>
+                          <a:spcPct val="150000"/>
+                        </a:lnSpc>
+                      </a:pPr>
+                      <a:r>
+                        <a:rPr lang="de-DE" dirty="0">
+                          <a:latin typeface="DM Sans" pitchFamily="2" charset="77"/>
+                        </a:rPr>
+                        <a:t>RAM: 32 Gb</a:t>
+                      </a:r>
+                    </a:p>
+                  </a:txBody>
+                  <a:tcPr/>
+                </a:tc>
+                <a:tc>
+                  <a:txBody>
+                    <a:bodyPr/>
+                    <a:lstStyle/>
+                    <a:p>
+                      <a:pPr algn="ctr">
+                        <a:lnSpc>
+                          <a:spcPct val="150000"/>
+                        </a:lnSpc>
+                      </a:pPr>
+                      <a:r>
+                        <a:rPr lang="de-DE" dirty="0">
+                          <a:latin typeface="DM Sans" pitchFamily="2" charset="77"/>
+                        </a:rPr>
+                        <a:t>0,026279 ms</a:t>
+                      </a:r>
+                    </a:p>
+                  </a:txBody>
+                  <a:tcPr anchor="ctr"/>
+                </a:tc>
+                <a:tc>
+                  <a:txBody>
+                    <a:bodyPr/>
+                    <a:lstStyle/>
+                    <a:p>
+                      <a:pPr algn="ctr">
+                        <a:lnSpc>
+                          <a:spcPct val="150000"/>
+                        </a:lnSpc>
+                      </a:pPr>
+                      <a:r>
+                        <a:rPr lang="de-DE" dirty="0">
+                          <a:latin typeface="DM Sans" pitchFamily="2" charset="77"/>
+                        </a:rPr>
+                        <a:t>0,030968 ms</a:t>
+                      </a:r>
+                    </a:p>
+                  </a:txBody>
+                  <a:tcPr anchor="ctr"/>
+                </a:tc>
+                <a:tc>
+                  <a:txBody>
+                    <a:bodyPr/>
+                    <a:lstStyle/>
+                    <a:p>
+                      <a:pPr algn="ctr">
+                        <a:lnSpc>
+                          <a:spcPct val="150000"/>
+                        </a:lnSpc>
+                      </a:pPr>
+                      <a:r>
+                        <a:rPr lang="de-DE" dirty="0">
+                          <a:latin typeface="DM Sans" pitchFamily="2" charset="77"/>
+                        </a:rPr>
+                        <a:t>0,020254 ms</a:t>
+                      </a:r>
+                    </a:p>
+                  </a:txBody>
+                  <a:tcPr anchor="ctr"/>
+                </a:tc>
+                <a:extLst>
+                  <a:ext uri="{0D108BD9-81ED-4DB2-BD59-A6C34878D82A}">
+                    <a16:rowId xmlns:a16="http://schemas.microsoft.com/office/drawing/2014/main" val="174462360"/>
+                  </a:ext>
+                </a:extLst>
+              </a:tr>
+              <a:tr h="370840">
+                <a:tc>
+                  <a:txBody>
+                    <a:bodyPr/>
+                    <a:lstStyle/>
+                    <a:p>
+                      <a:pPr>
+                        <a:lnSpc>
+                          <a:spcPct val="150000"/>
+                        </a:lnSpc>
+                      </a:pPr>
+                      <a:r>
+                        <a:rPr lang="de-DE" dirty="0">
+                          <a:latin typeface="DM Sans" pitchFamily="2" charset="77"/>
+                        </a:rPr>
+                        <a:t>Prozessor: Intel i9-11900H</a:t>
+                      </a:r>
+                    </a:p>
+                    <a:p>
+                      <a:pPr>
+                        <a:lnSpc>
+                          <a:spcPct val="150000"/>
+                        </a:lnSpc>
+                      </a:pPr>
+                      <a:r>
+                        <a:rPr lang="de-DE" dirty="0">
+                          <a:latin typeface="DM Sans" pitchFamily="2" charset="77"/>
+                        </a:rPr>
+                        <a:t>RAM: 32 Gb</a:t>
+                      </a:r>
+                    </a:p>
+                  </a:txBody>
+                  <a:tcPr/>
+                </a:tc>
+                <a:tc>
+                  <a:txBody>
+                    <a:bodyPr/>
+                    <a:lstStyle/>
+                    <a:p>
+                      <a:pPr algn="ctr">
+                        <a:lnSpc>
+                          <a:spcPct val="150000"/>
+                        </a:lnSpc>
+                      </a:pPr>
+                      <a:r>
+                        <a:rPr lang="de-DE" dirty="0">
+                          <a:latin typeface="DM Sans" pitchFamily="2" charset="77"/>
+                        </a:rPr>
+                        <a:t>0,013014 ms</a:t>
+                      </a:r>
+                    </a:p>
+                  </a:txBody>
+                  <a:tcPr anchor="ctr"/>
+                </a:tc>
+                <a:tc>
+                  <a:txBody>
+                    <a:bodyPr/>
+                    <a:lstStyle/>
+                    <a:p>
+                      <a:pPr algn="ctr">
+                        <a:lnSpc>
+                          <a:spcPct val="150000"/>
+                        </a:lnSpc>
+                      </a:pPr>
+                      <a:r>
+                        <a:rPr lang="de-DE" dirty="0">
+                          <a:latin typeface="DM Sans" pitchFamily="2" charset="77"/>
+                        </a:rPr>
+                        <a:t>0,011473 ms</a:t>
+                      </a:r>
+                    </a:p>
+                  </a:txBody>
+                  <a:tcPr anchor="ctr"/>
+                </a:tc>
+                <a:tc>
+                  <a:txBody>
+                    <a:bodyPr/>
+                    <a:lstStyle/>
+                    <a:p>
+                      <a:pPr algn="ctr">
+                        <a:lnSpc>
+                          <a:spcPct val="150000"/>
+                        </a:lnSpc>
+                      </a:pPr>
+                      <a:r>
+                        <a:rPr lang="de-DE" dirty="0">
+                          <a:latin typeface="DM Sans" pitchFamily="2" charset="77"/>
+                        </a:rPr>
+                        <a:t>0,011056 ms</a:t>
+                      </a:r>
+                    </a:p>
+                  </a:txBody>
+                  <a:tcPr anchor="ctr"/>
+                </a:tc>
+                <a:extLst>
+                  <a:ext uri="{0D108BD9-81ED-4DB2-BD59-A6C34878D82A}">
+                    <a16:rowId xmlns:a16="http://schemas.microsoft.com/office/drawing/2014/main" val="3185644093"/>
+                  </a:ext>
+                </a:extLst>
+              </a:tr>
+              <a:tr h="370840">
+                <a:tc>
+                  <a:txBody>
+                    <a:bodyPr/>
+                    <a:lstStyle/>
+                    <a:p>
+                      <a:pPr>
+                        <a:lnSpc>
+                          <a:spcPct val="150000"/>
+                        </a:lnSpc>
+                      </a:pPr>
+                      <a:r>
+                        <a:rPr lang="de-DE" dirty="0">
+                          <a:latin typeface="DM Sans" pitchFamily="2" charset="77"/>
+                        </a:rPr>
+                        <a:t>Prozessor: </a:t>
+                      </a:r>
+                    </a:p>
+                    <a:p>
+                      <a:pPr>
+                        <a:lnSpc>
+                          <a:spcPct val="150000"/>
+                        </a:lnSpc>
+                      </a:pPr>
+                      <a:r>
+                        <a:rPr lang="de-DE" dirty="0">
+                          <a:latin typeface="DM Sans" pitchFamily="2" charset="77"/>
+                        </a:rPr>
+                        <a:t>RAM: </a:t>
+                      </a:r>
+                    </a:p>
+                  </a:txBody>
+                  <a:tcPr/>
+                </a:tc>
+                <a:tc>
+                  <a:txBody>
+                    <a:bodyPr/>
+                    <a:lstStyle/>
+                    <a:p>
+                      <a:pPr algn="ctr">
+                        <a:lnSpc>
+                          <a:spcPct val="150000"/>
+                        </a:lnSpc>
+                      </a:pPr>
+                      <a:endParaRPr lang="de-DE">
+                        <a:latin typeface="DM Sans" pitchFamily="2" charset="77"/>
+                      </a:endParaRPr>
+                    </a:p>
+                  </a:txBody>
+                  <a:tcPr anchor="ctr"/>
+                </a:tc>
+                <a:tc>
+                  <a:txBody>
+                    <a:bodyPr/>
+                    <a:lstStyle/>
+                    <a:p>
+                      <a:pPr algn="ctr">
+                        <a:lnSpc>
+                          <a:spcPct val="150000"/>
+                        </a:lnSpc>
+                      </a:pPr>
+                      <a:endParaRPr lang="de-DE" dirty="0">
+                        <a:latin typeface="DM Sans" pitchFamily="2" charset="77"/>
+                      </a:endParaRPr>
+                    </a:p>
+                  </a:txBody>
+                  <a:tcPr anchor="ctr"/>
+                </a:tc>
+                <a:tc>
+                  <a:txBody>
+                    <a:bodyPr/>
+                    <a:lstStyle/>
+                    <a:p>
+                      <a:pPr algn="ctr">
+                        <a:lnSpc>
+                          <a:spcPct val="150000"/>
+                        </a:lnSpc>
+                      </a:pPr>
+                      <a:endParaRPr lang="de-DE" dirty="0">
+                        <a:latin typeface="DM Sans" pitchFamily="2" charset="77"/>
+                      </a:endParaRPr>
+                    </a:p>
+                  </a:txBody>
+                  <a:tcPr anchor="ctr"/>
+                </a:tc>
+                <a:extLst>
+                  <a:ext uri="{0D108BD9-81ED-4DB2-BD59-A6C34878D82A}">
+                    <a16:rowId xmlns:a16="http://schemas.microsoft.com/office/drawing/2014/main" val="1851225968"/>
+                  </a:ext>
+                </a:extLst>
+              </a:tr>
+            </a:tbl>
+          </a:graphicData>
+        </a:graphic>
+      </p:graphicFrame>
+      <p:sp>
+        <p:nvSpPr>
+          <p:cNvPr id="7" name="Textfeld 6">
+            <a:extLst>
+              <a:ext uri="{FF2B5EF4-FFF2-40B4-BE49-F238E27FC236}">
+                <a16:creationId xmlns:a16="http://schemas.microsoft.com/office/drawing/2014/main" id="{8C7D70F1-0D43-F854-578D-D28757DE5231}"/>
+              </a:ext>
+            </a:extLst>
+          </p:cNvPr>
+          <p:cNvSpPr txBox="1"/>
+          <p:nvPr/>
+        </p:nvSpPr>
+        <p:spPr>
+          <a:xfrm>
+            <a:off x="838200" y="5568696"/>
+            <a:ext cx="10515600" cy="923330"/>
+          </a:xfrm>
+          <a:prstGeom prst="rect">
+            <a:avLst/>
+          </a:prstGeom>
+          <a:noFill/>
+        </p:spPr>
+        <p:txBody>
+          <a:bodyPr wrap="square" rtlCol="0">
+            <a:spAutoFit/>
+          </a:bodyPr>
           <a:lstStyle/>
           <a:p>
             <a:r>
               <a:rPr lang="de-DE" dirty="0">
                 <a:latin typeface="DM Sans" pitchFamily="2" charset="77"/>
               </a:rPr>
-              <a:t>Hier stehen die Benchmark-Ergebnisse</a:t>
-            </a:r>
+              <a:t>Startstellung:	</a:t>
+            </a:r>
+            <a:r>
+              <a:rPr lang="de-DE" dirty="0" err="1">
+                <a:effectLst/>
+                <a:latin typeface="DM Sans" pitchFamily="2" charset="77"/>
+              </a:rPr>
+              <a:t>rnbqkbnr</a:t>
+            </a:r>
+            <a:r>
+              <a:rPr lang="de-DE" dirty="0">
+                <a:effectLst/>
+                <a:latin typeface="DM Sans" pitchFamily="2" charset="77"/>
+              </a:rPr>
+              <a:t>/</a:t>
+            </a:r>
+            <a:r>
+              <a:rPr lang="de-DE" dirty="0" err="1">
+                <a:effectLst/>
+                <a:latin typeface="DM Sans" pitchFamily="2" charset="77"/>
+              </a:rPr>
+              <a:t>pppppppp</a:t>
+            </a:r>
+            <a:r>
+              <a:rPr lang="de-DE" dirty="0">
+                <a:effectLst/>
+                <a:latin typeface="DM Sans" pitchFamily="2" charset="77"/>
+              </a:rPr>
+              <a:t>/8/8/8/8/PPPPPPPP/RNBQKBNR </a:t>
+            </a:r>
+            <a:r>
+              <a:rPr lang="de-DE" dirty="0" err="1">
+                <a:effectLst/>
+                <a:latin typeface="DM Sans" pitchFamily="2" charset="77"/>
+              </a:rPr>
+              <a:t>w</a:t>
+            </a:r>
+            <a:r>
+              <a:rPr lang="de-DE" dirty="0">
+                <a:effectLst/>
+                <a:latin typeface="DM Sans" pitchFamily="2" charset="77"/>
+              </a:rPr>
+              <a:t> </a:t>
+            </a:r>
+            <a:r>
+              <a:rPr lang="de-DE" dirty="0" err="1">
+                <a:effectLst/>
+                <a:latin typeface="DM Sans" pitchFamily="2" charset="77"/>
+              </a:rPr>
+              <a:t>KQkq</a:t>
+            </a:r>
+            <a:endParaRPr lang="de-DE" dirty="0">
+              <a:latin typeface="DM Sans" pitchFamily="2" charset="77"/>
+            </a:endParaRPr>
+          </a:p>
+          <a:p>
+            <a:r>
+              <a:rPr lang="de-DE" dirty="0">
+                <a:latin typeface="DM Sans" pitchFamily="2" charset="77"/>
+              </a:rPr>
+              <a:t>Mittelspiel: 	</a:t>
+            </a:r>
+            <a:r>
+              <a:rPr lang="de-DE" dirty="0">
+                <a:effectLst/>
+                <a:latin typeface="DM Sans" pitchFamily="2" charset="77"/>
+              </a:rPr>
+              <a:t>4r1k1/1bqr1pbp/p2p2p1/4p1B1/2p1P3/PnP2N1P/BP2QPP1/3RR1K1 </a:t>
+            </a:r>
+            <a:r>
+              <a:rPr lang="de-DE" dirty="0" err="1">
+                <a:effectLst/>
+                <a:latin typeface="DM Sans" pitchFamily="2" charset="77"/>
+              </a:rPr>
+              <a:t>w</a:t>
+            </a:r>
+            <a:r>
+              <a:rPr lang="de-DE" dirty="0">
+                <a:effectLst/>
+                <a:latin typeface="DM Sans" pitchFamily="2" charset="77"/>
+              </a:rPr>
+              <a:t> </a:t>
+            </a:r>
+            <a:r>
+              <a:rPr lang="de-DE" dirty="0" err="1">
+                <a:effectLst/>
+                <a:latin typeface="DM Sans" pitchFamily="2" charset="77"/>
+              </a:rPr>
+              <a:t>KQkq</a:t>
+            </a:r>
+            <a:endParaRPr lang="de-DE" dirty="0">
+              <a:latin typeface="DM Sans" pitchFamily="2" charset="77"/>
+            </a:endParaRPr>
+          </a:p>
+          <a:p>
+            <a:r>
+              <a:rPr lang="de-DE" dirty="0">
+                <a:latin typeface="DM Sans" pitchFamily="2" charset="77"/>
+              </a:rPr>
+              <a:t>Endspiel: 	</a:t>
+            </a:r>
+            <a:r>
+              <a:rPr lang="de-DE" dirty="0">
+                <a:effectLst/>
+                <a:latin typeface="DM Sans" pitchFamily="2" charset="77"/>
+              </a:rPr>
+              <a:t>8/6k1/5bP1/4p2p/3pP2P/1b1qBK2/p1r5/6R1 b </a:t>
+            </a:r>
+            <a:r>
+              <a:rPr lang="de-DE" dirty="0" err="1">
+                <a:effectLst/>
+                <a:latin typeface="DM Sans" pitchFamily="2" charset="77"/>
+              </a:rPr>
+              <a:t>KQkq</a:t>
+            </a:r>
+            <a:endParaRPr lang="de-DE" dirty="0">
+              <a:effectLst/>
+              <a:latin typeface="DM Sans" pitchFamily="2" charset="77"/>
+            </a:endParaRPr>
           </a:p>
         </p:txBody>
       </p:sp>
@@ -4331,7 +4566,7 @@
 </p:sld>
 </file>
 
-<file path=ppt/slides/slide8.xml><?xml version="1.0" encoding="utf-8"?>
+<file path=ppt/slides/slide7.xml><?xml version="1.0" encoding="utf-8"?>
 <p:sld xmlns:a="http://schemas.openxmlformats.org/drawingml/2006/main" xmlns:r="http://schemas.openxmlformats.org/officeDocument/2006/relationships" xmlns:p="http://schemas.openxmlformats.org/presentationml/2006/main">
   <p:cSld>
     <p:spTree>

--- a/PJ_KI_MST1.pptx
+++ b/PJ_KI_MST1.pptx
@@ -3469,7 +3469,7 @@
                 <a:ea typeface="Nirmala UI Semilight" panose="020B0402040204020203" pitchFamily="34" charset="0"/>
                 <a:cs typeface="Nirmala UI Semilight" panose="020B0402040204020203" pitchFamily="34" charset="0"/>
               </a:rPr>
-              <a:t>Tom Eschenbach (412905), Adam Knothe (______), Patrick Zdanowski (0410378)</a:t>
+              <a:t>Tom Eschenbach (412905), Adam Knothe (412736), Patrick Zdanowski (0410378)</a:t>
             </a:r>
           </a:p>
           <a:p>
@@ -4608,7 +4608,7 @@
               <a:rPr lang="de-DE" dirty="0">
                 <a:latin typeface="DM Sans" pitchFamily="2" charset="77"/>
               </a:rPr>
-              <a:t>Ausblick</a:t>
+              <a:t>Ausblick und nächste Schritte</a:t>
             </a:r>
           </a:p>
         </p:txBody>
@@ -4631,14 +4631,96 @@
         </p:nvSpPr>
         <p:spPr/>
         <p:txBody>
-          <a:bodyPr/>
-          <a:lstStyle/>
-          <a:p>
-            <a:r>
-              <a:rPr lang="de-DE" dirty="0">
+          <a:bodyPr>
+            <a:normAutofit/>
+          </a:bodyPr>
+          <a:lstStyle/>
+          <a:p>
+            <a:pPr marL="0" indent="0">
+              <a:lnSpc>
+                <a:spcPct val="150000"/>
+              </a:lnSpc>
+              <a:buNone/>
+            </a:pPr>
+            <a:r>
+              <a:rPr lang="de-DE" sz="1600" b="1" dirty="0">
                 <a:latin typeface="DM Sans" pitchFamily="2" charset="77"/>
               </a:rPr>
-              <a:t>Hier steht der Ausblick</a:t>
+              <a:t>Verbesserungen / Refactorings:</a:t>
+            </a:r>
+          </a:p>
+          <a:p>
+            <a:pPr>
+              <a:lnSpc>
+                <a:spcPct val="150000"/>
+              </a:lnSpc>
+              <a:buFontTx/>
+              <a:buChar char="-"/>
+            </a:pPr>
+            <a:r>
+              <a:rPr lang="de-DE" sz="1600" dirty="0">
+                <a:latin typeface="DM Sans" pitchFamily="2" charset="77"/>
+              </a:rPr>
+              <a:t>Überarbeitung der Bitboard-Masken-Generation: Bei jedem Zugriff auf die Bitmasken wird aktuell noch gerechnet, ein direkter Zugriff ohne Berechnungen wäre wünschenswert</a:t>
+            </a:r>
+          </a:p>
+          <a:p>
+            <a:pPr marL="0" indent="0">
+              <a:lnSpc>
+                <a:spcPct val="150000"/>
+              </a:lnSpc>
+              <a:buNone/>
+            </a:pPr>
+            <a:r>
+              <a:rPr lang="de-DE" sz="1600" b="1" dirty="0">
+                <a:latin typeface="DM Sans" pitchFamily="2" charset="77"/>
+              </a:rPr>
+              <a:t>Weiterentwicklung:</a:t>
+            </a:r>
+          </a:p>
+          <a:p>
+            <a:pPr>
+              <a:lnSpc>
+                <a:spcPct val="150000"/>
+              </a:lnSpc>
+              <a:buFontTx/>
+              <a:buChar char="-"/>
+            </a:pPr>
+            <a:r>
+              <a:rPr lang="de-DE" sz="1600" dirty="0">
+                <a:latin typeface="DM Sans" pitchFamily="2" charset="77"/>
+              </a:rPr>
+              <a:t>Alpha-Beta-Suche soll nun statt der Dummy-KI verwendet werden</a:t>
+            </a:r>
+          </a:p>
+          <a:p>
+            <a:pPr>
+              <a:lnSpc>
+                <a:spcPct val="150000"/>
+              </a:lnSpc>
+              <a:buFontTx/>
+              <a:buChar char="-"/>
+            </a:pPr>
+            <a:r>
+              <a:rPr lang="de-DE" sz="1600" dirty="0">
+                <a:latin typeface="DM Sans" pitchFamily="2" charset="77"/>
+              </a:rPr>
+              <a:t>Überarbeitetes Zeitmanagement: Iterative Tiefensuche </a:t>
+            </a:r>
+          </a:p>
+          <a:p>
+            <a:pPr>
+              <a:lnSpc>
+                <a:spcPct val="150000"/>
+              </a:lnSpc>
+              <a:buFontTx/>
+              <a:buChar char="-"/>
+            </a:pPr>
+            <a:r>
+              <a:rPr lang="de-DE" sz="1600" dirty="0">
+                <a:latin typeface="DM Sans" pitchFamily="2" charset="77"/>
+              </a:rPr>
+              <a:t>Die Spielstand-Bewertungsfunktion soll erweitert werden: Aktuell berechnet sie nur die Materialdifferenz, mögliche weitere Aspekte für den zweiten Meilenstein wären: Beachtung von Bauernstrukturen (Dopplung, Isolation, Blockierung), Piece-Square-Tables, Betrachtung der Spielphase, …</a:t>
             </a:r>
           </a:p>
         </p:txBody>

--- a/PJ_KI_MST1.pptx
+++ b/PJ_KI_MST1.pptx
@@ -265,7 +265,7 @@
           <a:p>
             <a:fld id="{17468778-AD1E-48E6-A1B1-00A628170ED2}" type="datetimeFigureOut">
               <a:rPr lang="de-DE" smtClean="0"/>
-              <a:t>09.05.23</a:t>
+              <a:t>09.05.2023</a:t>
             </a:fld>
             <a:endParaRPr lang="de-DE"/>
           </a:p>
@@ -463,7 +463,7 @@
           <a:p>
             <a:fld id="{17468778-AD1E-48E6-A1B1-00A628170ED2}" type="datetimeFigureOut">
               <a:rPr lang="de-DE" smtClean="0"/>
-              <a:t>09.05.23</a:t>
+              <a:t>09.05.2023</a:t>
             </a:fld>
             <a:endParaRPr lang="de-DE"/>
           </a:p>
@@ -671,7 +671,7 @@
           <a:p>
             <a:fld id="{17468778-AD1E-48E6-A1B1-00A628170ED2}" type="datetimeFigureOut">
               <a:rPr lang="de-DE" smtClean="0"/>
-              <a:t>09.05.23</a:t>
+              <a:t>09.05.2023</a:t>
             </a:fld>
             <a:endParaRPr lang="de-DE"/>
           </a:p>
@@ -869,7 +869,7 @@
           <a:p>
             <a:fld id="{17468778-AD1E-48E6-A1B1-00A628170ED2}" type="datetimeFigureOut">
               <a:rPr lang="de-DE" smtClean="0"/>
-              <a:t>09.05.23</a:t>
+              <a:t>09.05.2023</a:t>
             </a:fld>
             <a:endParaRPr lang="de-DE"/>
           </a:p>
@@ -1144,7 +1144,7 @@
           <a:p>
             <a:fld id="{17468778-AD1E-48E6-A1B1-00A628170ED2}" type="datetimeFigureOut">
               <a:rPr lang="de-DE" smtClean="0"/>
-              <a:t>09.05.23</a:t>
+              <a:t>09.05.2023</a:t>
             </a:fld>
             <a:endParaRPr lang="de-DE"/>
           </a:p>
@@ -1409,7 +1409,7 @@
           <a:p>
             <a:fld id="{17468778-AD1E-48E6-A1B1-00A628170ED2}" type="datetimeFigureOut">
               <a:rPr lang="de-DE" smtClean="0"/>
-              <a:t>09.05.23</a:t>
+              <a:t>09.05.2023</a:t>
             </a:fld>
             <a:endParaRPr lang="de-DE"/>
           </a:p>
@@ -1821,7 +1821,7 @@
           <a:p>
             <a:fld id="{17468778-AD1E-48E6-A1B1-00A628170ED2}" type="datetimeFigureOut">
               <a:rPr lang="de-DE" smtClean="0"/>
-              <a:t>09.05.23</a:t>
+              <a:t>09.05.2023</a:t>
             </a:fld>
             <a:endParaRPr lang="de-DE"/>
           </a:p>
@@ -1962,7 +1962,7 @@
           <a:p>
             <a:fld id="{17468778-AD1E-48E6-A1B1-00A628170ED2}" type="datetimeFigureOut">
               <a:rPr lang="de-DE" smtClean="0"/>
-              <a:t>09.05.23</a:t>
+              <a:t>09.05.2023</a:t>
             </a:fld>
             <a:endParaRPr lang="de-DE"/>
           </a:p>
@@ -2075,7 +2075,7 @@
           <a:p>
             <a:fld id="{17468778-AD1E-48E6-A1B1-00A628170ED2}" type="datetimeFigureOut">
               <a:rPr lang="de-DE" smtClean="0"/>
-              <a:t>09.05.23</a:t>
+              <a:t>09.05.2023</a:t>
             </a:fld>
             <a:endParaRPr lang="de-DE"/>
           </a:p>
@@ -2386,7 +2386,7 @@
           <a:p>
             <a:fld id="{17468778-AD1E-48E6-A1B1-00A628170ED2}" type="datetimeFigureOut">
               <a:rPr lang="de-DE" smtClean="0"/>
-              <a:t>09.05.23</a:t>
+              <a:t>09.05.2023</a:t>
             </a:fld>
             <a:endParaRPr lang="de-DE"/>
           </a:p>
@@ -2674,7 +2674,7 @@
           <a:p>
             <a:fld id="{17468778-AD1E-48E6-A1B1-00A628170ED2}" type="datetimeFigureOut">
               <a:rPr lang="de-DE" smtClean="0"/>
-              <a:t>09.05.23</a:t>
+              <a:t>09.05.2023</a:t>
             </a:fld>
             <a:endParaRPr lang="de-DE"/>
           </a:p>
@@ -2915,7 +2915,7 @@
           <a:p>
             <a:fld id="{17468778-AD1E-48E6-A1B1-00A628170ED2}" type="datetimeFigureOut">
               <a:rPr lang="de-DE" smtClean="0"/>
-              <a:t>09.05.23</a:t>
+              <a:t>09.05.2023</a:t>
             </a:fld>
             <a:endParaRPr lang="de-DE"/>
           </a:p>
@@ -3445,11 +3445,14 @@
               <a:t>Eigener Gruppenname: </a:t>
             </a:r>
             <a:r>
-              <a:rPr lang="de-DE" sz="1600" dirty="0">
+              <a:rPr lang="de-DE" sz="1600">
                 <a:latin typeface="DM Sans" pitchFamily="2" charset="77"/>
               </a:rPr>
-              <a:t>“F in den Chat“</a:t>
-            </a:r>
+              <a:t>“drücke F“</a:t>
+            </a:r>
+            <a:endParaRPr lang="de-DE" sz="1600" dirty="0">
+              <a:latin typeface="DM Sans" pitchFamily="2" charset="77"/>
+            </a:endParaRPr>
           </a:p>
           <a:p>
             <a:pPr algn="l">
@@ -3469,7 +3472,23 @@
                 <a:ea typeface="Nirmala UI Semilight" panose="020B0402040204020203" pitchFamily="34" charset="0"/>
                 <a:cs typeface="Nirmala UI Semilight" panose="020B0402040204020203" pitchFamily="34" charset="0"/>
               </a:rPr>
-              <a:t>Tom Eschenbach (412905), Adam Knothe (412736), Patrick Zdanowski (0410378)</a:t>
+              <a:t>Tom Eschenbach (412905), Adam Knothe (412736), Patrick </a:t>
+            </a:r>
+            <a:r>
+              <a:rPr lang="de-DE" sz="1600" dirty="0" err="1">
+                <a:latin typeface="DM Sans" pitchFamily="2" charset="77"/>
+                <a:ea typeface="Nirmala UI Semilight" panose="020B0402040204020203" pitchFamily="34" charset="0"/>
+                <a:cs typeface="Nirmala UI Semilight" panose="020B0402040204020203" pitchFamily="34" charset="0"/>
+              </a:rPr>
+              <a:t>Zdanowski</a:t>
+            </a:r>
+            <a:r>
+              <a:rPr lang="de-DE" sz="1600" dirty="0">
+                <a:latin typeface="DM Sans" pitchFamily="2" charset="77"/>
+                <a:ea typeface="Nirmala UI Semilight" panose="020B0402040204020203" pitchFamily="34" charset="0"/>
+                <a:cs typeface="Nirmala UI Semilight" panose="020B0402040204020203" pitchFamily="34" charset="0"/>
+              </a:rPr>
+              <a:t> (410378)</a:t>
             </a:r>
           </a:p>
           <a:p>
@@ -3992,7 +4011,7 @@
           <p:nvPr>
             <p:extLst>
               <p:ext uri="{D42A27DB-BD31-4B8C-83A1-F6EECF244321}">
-                <p14:modId xmlns:p14="http://schemas.microsoft.com/office/powerpoint/2010/main" val="1740349868"/>
+                <p14:modId xmlns:p14="http://schemas.microsoft.com/office/powerpoint/2010/main" val="1028768034"/>
               </p:ext>
             </p:extLst>
           </p:nvPr>
@@ -4132,7 +4151,7 @@
                         <a:rPr lang="de-DE" dirty="0">
                           <a:latin typeface="DM Sans" pitchFamily="2" charset="77"/>
                         </a:rPr>
-                        <a:t>RAM: 32 Gb</a:t>
+                        <a:t>RAM: 32 GB</a:t>
                       </a:r>
                     </a:p>
                   </a:txBody>
@@ -4232,7 +4251,7 @@
                         <a:rPr lang="de-DE" dirty="0">
                           <a:latin typeface="DM Sans" pitchFamily="2" charset="77"/>
                         </a:rPr>
-                        <a:t>RAM: 32 Gb</a:t>
+                        <a:t>RAM: 32 GB</a:t>
                       </a:r>
                     </a:p>
                   </a:txBody>
@@ -4319,7 +4338,7 @@
                         <a:rPr lang="de-DE" dirty="0">
                           <a:latin typeface="DM Sans" pitchFamily="2" charset="77"/>
                         </a:rPr>
-                        <a:t>Prozessor: </a:t>
+                        <a:t>Prozessor: Intel i5-8250U</a:t>
                       </a:r>
                     </a:p>
                     <a:p>
@@ -4332,7 +4351,7 @@
                         <a:rPr lang="de-DE" dirty="0">
                           <a:latin typeface="DM Sans" pitchFamily="2" charset="77"/>
                         </a:rPr>
-                        <a:t>RAM: </a:t>
+                        <a:t>RAM: 32 GB</a:t>
                       </a:r>
                     </a:p>
                   </a:txBody>
@@ -4348,9 +4367,12 @@
                           <a:spcPct val="150000"/>
                         </a:lnSpc>
                       </a:pPr>
-                      <a:endParaRPr lang="de-DE">
-                        <a:latin typeface="DM Sans" pitchFamily="2" charset="77"/>
-                      </a:endParaRPr>
+                      <a:r>
+                        <a:rPr lang="de-DE" dirty="0">
+                          <a:latin typeface="DM Sans" pitchFamily="2" charset="77"/>
+                        </a:rPr>
+                        <a:t>0,034963ms</a:t>
+                      </a:r>
                     </a:p>
                   </a:txBody>
                   <a:tcPr anchor="ctr"/>
@@ -4365,9 +4387,12 @@
                           <a:spcPct val="150000"/>
                         </a:lnSpc>
                       </a:pPr>
-                      <a:endParaRPr lang="de-DE" dirty="0">
-                        <a:latin typeface="DM Sans" pitchFamily="2" charset="77"/>
-                      </a:endParaRPr>
+                      <a:r>
+                        <a:rPr lang="de-DE" dirty="0">
+                          <a:latin typeface="DM Sans" pitchFamily="2" charset="77"/>
+                        </a:rPr>
+                        <a:t>0,03285ms</a:t>
+                      </a:r>
                     </a:p>
                   </a:txBody>
                   <a:tcPr anchor="ctr"/>
@@ -4382,9 +4407,12 @@
                           <a:spcPct val="150000"/>
                         </a:lnSpc>
                       </a:pPr>
-                      <a:endParaRPr lang="de-DE" dirty="0">
-                        <a:latin typeface="DM Sans" pitchFamily="2" charset="77"/>
-                      </a:endParaRPr>
+                      <a:r>
+                        <a:rPr lang="de-DE" dirty="0">
+                          <a:latin typeface="DM Sans" pitchFamily="2" charset="77"/>
+                        </a:rPr>
+                        <a:t>0,0465ms</a:t>
+                      </a:r>
                     </a:p>
                   </a:txBody>
                   <a:tcPr anchor="ctr"/>

--- a/PJ_KI_MST1.pptx
+++ b/PJ_KI_MST1.pptx
@@ -4011,7 +4011,7 @@
           <p:nvPr>
             <p:extLst>
               <p:ext uri="{D42A27DB-BD31-4B8C-83A1-F6EECF244321}">
-                <p14:modId xmlns:p14="http://schemas.microsoft.com/office/powerpoint/2010/main" val="1028768034"/>
+                <p14:modId xmlns:p14="http://schemas.microsoft.com/office/powerpoint/2010/main" val="2920988267"/>
               </p:ext>
             </p:extLst>
           </p:nvPr>
@@ -4351,7 +4351,19 @@
                         <a:rPr lang="de-DE" dirty="0">
                           <a:latin typeface="DM Sans" pitchFamily="2" charset="77"/>
                         </a:rPr>
-                        <a:t>RAM: 32 GB</a:t>
+                        <a:t>RAM</a:t>
+                      </a:r>
+                      <a:r>
+                        <a:rPr lang="de-DE">
+                          <a:latin typeface="DM Sans" pitchFamily="2" charset="77"/>
+                        </a:rPr>
+                        <a:t>: 8 </a:t>
+                      </a:r>
+                      <a:r>
+                        <a:rPr lang="de-DE" dirty="0">
+                          <a:latin typeface="DM Sans" pitchFamily="2" charset="77"/>
+                        </a:rPr>
+                        <a:t>GB</a:t>
                       </a:r>
                     </a:p>
                   </a:txBody>

--- a/PJ_KI_MST1.pptx
+++ b/PJ_KI_MST1.pptx
@@ -265,7 +265,7 @@
           <a:p>
             <a:fld id="{17468778-AD1E-48E6-A1B1-00A628170ED2}" type="datetimeFigureOut">
               <a:rPr lang="de-DE" smtClean="0"/>
-              <a:t>09.05.2023</a:t>
+              <a:t>10.05.2023</a:t>
             </a:fld>
             <a:endParaRPr lang="de-DE"/>
           </a:p>
@@ -463,7 +463,7 @@
           <a:p>
             <a:fld id="{17468778-AD1E-48E6-A1B1-00A628170ED2}" type="datetimeFigureOut">
               <a:rPr lang="de-DE" smtClean="0"/>
-              <a:t>09.05.2023</a:t>
+              <a:t>10.05.2023</a:t>
             </a:fld>
             <a:endParaRPr lang="de-DE"/>
           </a:p>
@@ -671,7 +671,7 @@
           <a:p>
             <a:fld id="{17468778-AD1E-48E6-A1B1-00A628170ED2}" type="datetimeFigureOut">
               <a:rPr lang="de-DE" smtClean="0"/>
-              <a:t>09.05.2023</a:t>
+              <a:t>10.05.2023</a:t>
             </a:fld>
             <a:endParaRPr lang="de-DE"/>
           </a:p>
@@ -869,7 +869,7 @@
           <a:p>
             <a:fld id="{17468778-AD1E-48E6-A1B1-00A628170ED2}" type="datetimeFigureOut">
               <a:rPr lang="de-DE" smtClean="0"/>
-              <a:t>09.05.2023</a:t>
+              <a:t>10.05.2023</a:t>
             </a:fld>
             <a:endParaRPr lang="de-DE"/>
           </a:p>
@@ -1144,7 +1144,7 @@
           <a:p>
             <a:fld id="{17468778-AD1E-48E6-A1B1-00A628170ED2}" type="datetimeFigureOut">
               <a:rPr lang="de-DE" smtClean="0"/>
-              <a:t>09.05.2023</a:t>
+              <a:t>10.05.2023</a:t>
             </a:fld>
             <a:endParaRPr lang="de-DE"/>
           </a:p>
@@ -1409,7 +1409,7 @@
           <a:p>
             <a:fld id="{17468778-AD1E-48E6-A1B1-00A628170ED2}" type="datetimeFigureOut">
               <a:rPr lang="de-DE" smtClean="0"/>
-              <a:t>09.05.2023</a:t>
+              <a:t>10.05.2023</a:t>
             </a:fld>
             <a:endParaRPr lang="de-DE"/>
           </a:p>
@@ -1821,7 +1821,7 @@
           <a:p>
             <a:fld id="{17468778-AD1E-48E6-A1B1-00A628170ED2}" type="datetimeFigureOut">
               <a:rPr lang="de-DE" smtClean="0"/>
-              <a:t>09.05.2023</a:t>
+              <a:t>10.05.2023</a:t>
             </a:fld>
             <a:endParaRPr lang="de-DE"/>
           </a:p>
@@ -1962,7 +1962,7 @@
           <a:p>
             <a:fld id="{17468778-AD1E-48E6-A1B1-00A628170ED2}" type="datetimeFigureOut">
               <a:rPr lang="de-DE" smtClean="0"/>
-              <a:t>09.05.2023</a:t>
+              <a:t>10.05.2023</a:t>
             </a:fld>
             <a:endParaRPr lang="de-DE"/>
           </a:p>
@@ -2075,7 +2075,7 @@
           <a:p>
             <a:fld id="{17468778-AD1E-48E6-A1B1-00A628170ED2}" type="datetimeFigureOut">
               <a:rPr lang="de-DE" smtClean="0"/>
-              <a:t>09.05.2023</a:t>
+              <a:t>10.05.2023</a:t>
             </a:fld>
             <a:endParaRPr lang="de-DE"/>
           </a:p>
@@ -2386,7 +2386,7 @@
           <a:p>
             <a:fld id="{17468778-AD1E-48E6-A1B1-00A628170ED2}" type="datetimeFigureOut">
               <a:rPr lang="de-DE" smtClean="0"/>
-              <a:t>09.05.2023</a:t>
+              <a:t>10.05.2023</a:t>
             </a:fld>
             <a:endParaRPr lang="de-DE"/>
           </a:p>
@@ -2674,7 +2674,7 @@
           <a:p>
             <a:fld id="{17468778-AD1E-48E6-A1B1-00A628170ED2}" type="datetimeFigureOut">
               <a:rPr lang="de-DE" smtClean="0"/>
-              <a:t>09.05.2023</a:t>
+              <a:t>10.05.2023</a:t>
             </a:fld>
             <a:endParaRPr lang="de-DE"/>
           </a:p>
@@ -2915,7 +2915,7 @@
           <a:p>
             <a:fld id="{17468778-AD1E-48E6-A1B1-00A628170ED2}" type="datetimeFigureOut">
               <a:rPr lang="de-DE" smtClean="0"/>
-              <a:t>09.05.2023</a:t>
+              <a:t>10.05.2023</a:t>
             </a:fld>
             <a:endParaRPr lang="de-DE"/>
           </a:p>
@@ -4672,7 +4672,7 @@
         <p:spPr/>
         <p:txBody>
           <a:bodyPr>
-            <a:normAutofit/>
+            <a:normAutofit fontScale="92500" lnSpcReduction="20000"/>
           </a:bodyPr>
           <a:lstStyle/>
           <a:p>
@@ -4703,6 +4703,51 @@
               </a:rPr>
               <a:t>Überarbeitung der Bitboard-Masken-Generation: Bei jedem Zugriff auf die Bitmasken wird aktuell noch gerechnet, ein direkter Zugriff ohne Berechnungen wäre wünschenswert</a:t>
             </a:r>
+          </a:p>
+          <a:p>
+            <a:pPr>
+              <a:lnSpc>
+                <a:spcPct val="150000"/>
+              </a:lnSpc>
+              <a:buFontTx/>
+              <a:buChar char="-"/>
+            </a:pPr>
+            <a:r>
+              <a:rPr lang="de-DE" sz="1600" dirty="0" err="1">
+                <a:latin typeface="DM Sans" pitchFamily="2" charset="77"/>
+              </a:rPr>
+              <a:t>isGameWon</a:t>
+            </a:r>
+            <a:r>
+              <a:rPr lang="de-DE" sz="1600" dirty="0">
+                <a:latin typeface="DM Sans" pitchFamily="2" charset="77"/>
+              </a:rPr>
+              <a:t> ausbauen zu </a:t>
+            </a:r>
+            <a:r>
+              <a:rPr lang="de-DE" sz="1600" dirty="0" err="1">
+                <a:latin typeface="DM Sans" pitchFamily="2" charset="77"/>
+              </a:rPr>
+              <a:t>gameState</a:t>
+            </a:r>
+            <a:r>
+              <a:rPr lang="de-DE" sz="1600" dirty="0">
+                <a:latin typeface="DM Sans" pitchFamily="2" charset="77"/>
+              </a:rPr>
+              <a:t> (Anfangsspiel, Mittelspiel, Endspiel, gewonnen, unentschieden)</a:t>
+            </a:r>
+          </a:p>
+          <a:p>
+            <a:pPr>
+              <a:lnSpc>
+                <a:spcPct val="150000"/>
+              </a:lnSpc>
+              <a:buFontTx/>
+              <a:buChar char="-"/>
+            </a:pPr>
+            <a:endParaRPr lang="de-DE" sz="1600" dirty="0">
+              <a:latin typeface="DM Sans" pitchFamily="2" charset="77"/>
+            </a:endParaRPr>
           </a:p>
           <a:p>
             <a:pPr marL="0" indent="0">

--- a/PJ_KI_MST1.pptx
+++ b/PJ_KI_MST1.pptx
@@ -12,6 +12,7 @@
     <p:sldId id="263" r:id="rId6"/>
     <p:sldId id="258" r:id="rId7"/>
     <p:sldId id="259" r:id="rId8"/>
+    <p:sldId id="264" r:id="rId9"/>
   </p:sldIdLst>
   <p:sldSz cx="12192000" cy="6858000"/>
   <p:notesSz cx="6858000" cy="9144000"/>
@@ -265,7 +266,7 @@
           <a:p>
             <a:fld id="{17468778-AD1E-48E6-A1B1-00A628170ED2}" type="datetimeFigureOut">
               <a:rPr lang="de-DE" smtClean="0"/>
-              <a:t>10.05.2023</a:t>
+              <a:t>10.05.23</a:t>
             </a:fld>
             <a:endParaRPr lang="de-DE"/>
           </a:p>
@@ -463,7 +464,7 @@
           <a:p>
             <a:fld id="{17468778-AD1E-48E6-A1B1-00A628170ED2}" type="datetimeFigureOut">
               <a:rPr lang="de-DE" smtClean="0"/>
-              <a:t>10.05.2023</a:t>
+              <a:t>10.05.23</a:t>
             </a:fld>
             <a:endParaRPr lang="de-DE"/>
           </a:p>
@@ -671,7 +672,7 @@
           <a:p>
             <a:fld id="{17468778-AD1E-48E6-A1B1-00A628170ED2}" type="datetimeFigureOut">
               <a:rPr lang="de-DE" smtClean="0"/>
-              <a:t>10.05.2023</a:t>
+              <a:t>10.05.23</a:t>
             </a:fld>
             <a:endParaRPr lang="de-DE"/>
           </a:p>
@@ -869,7 +870,7 @@
           <a:p>
             <a:fld id="{17468778-AD1E-48E6-A1B1-00A628170ED2}" type="datetimeFigureOut">
               <a:rPr lang="de-DE" smtClean="0"/>
-              <a:t>10.05.2023</a:t>
+              <a:t>10.05.23</a:t>
             </a:fld>
             <a:endParaRPr lang="de-DE"/>
           </a:p>
@@ -1144,7 +1145,7 @@
           <a:p>
             <a:fld id="{17468778-AD1E-48E6-A1B1-00A628170ED2}" type="datetimeFigureOut">
               <a:rPr lang="de-DE" smtClean="0"/>
-              <a:t>10.05.2023</a:t>
+              <a:t>10.05.23</a:t>
             </a:fld>
             <a:endParaRPr lang="de-DE"/>
           </a:p>
@@ -1409,7 +1410,7 @@
           <a:p>
             <a:fld id="{17468778-AD1E-48E6-A1B1-00A628170ED2}" type="datetimeFigureOut">
               <a:rPr lang="de-DE" smtClean="0"/>
-              <a:t>10.05.2023</a:t>
+              <a:t>10.05.23</a:t>
             </a:fld>
             <a:endParaRPr lang="de-DE"/>
           </a:p>
@@ -1821,7 +1822,7 @@
           <a:p>
             <a:fld id="{17468778-AD1E-48E6-A1B1-00A628170ED2}" type="datetimeFigureOut">
               <a:rPr lang="de-DE" smtClean="0"/>
-              <a:t>10.05.2023</a:t>
+              <a:t>10.05.23</a:t>
             </a:fld>
             <a:endParaRPr lang="de-DE"/>
           </a:p>
@@ -1962,7 +1963,7 @@
           <a:p>
             <a:fld id="{17468778-AD1E-48E6-A1B1-00A628170ED2}" type="datetimeFigureOut">
               <a:rPr lang="de-DE" smtClean="0"/>
-              <a:t>10.05.2023</a:t>
+              <a:t>10.05.23</a:t>
             </a:fld>
             <a:endParaRPr lang="de-DE"/>
           </a:p>
@@ -2075,7 +2076,7 @@
           <a:p>
             <a:fld id="{17468778-AD1E-48E6-A1B1-00A628170ED2}" type="datetimeFigureOut">
               <a:rPr lang="de-DE" smtClean="0"/>
-              <a:t>10.05.2023</a:t>
+              <a:t>10.05.23</a:t>
             </a:fld>
             <a:endParaRPr lang="de-DE"/>
           </a:p>
@@ -2386,7 +2387,7 @@
           <a:p>
             <a:fld id="{17468778-AD1E-48E6-A1B1-00A628170ED2}" type="datetimeFigureOut">
               <a:rPr lang="de-DE" smtClean="0"/>
-              <a:t>10.05.2023</a:t>
+              <a:t>10.05.23</a:t>
             </a:fld>
             <a:endParaRPr lang="de-DE"/>
           </a:p>
@@ -2674,7 +2675,7 @@
           <a:p>
             <a:fld id="{17468778-AD1E-48E6-A1B1-00A628170ED2}" type="datetimeFigureOut">
               <a:rPr lang="de-DE" smtClean="0"/>
-              <a:t>10.05.2023</a:t>
+              <a:t>10.05.23</a:t>
             </a:fld>
             <a:endParaRPr lang="de-DE"/>
           </a:p>
@@ -2915,7 +2916,7 @@
           <a:p>
             <a:fld id="{17468778-AD1E-48E6-A1B1-00A628170ED2}" type="datetimeFigureOut">
               <a:rPr lang="de-DE" smtClean="0"/>
-              <a:t>10.05.2023</a:t>
+              <a:t>10.05.23</a:t>
             </a:fld>
             <a:endParaRPr lang="de-DE"/>
           </a:p>
@@ -3445,14 +3446,11 @@
               <a:t>Eigener Gruppenname: </a:t>
             </a:r>
             <a:r>
-              <a:rPr lang="de-DE" sz="1600">
+              <a:rPr lang="de-DE" sz="1600" dirty="0">
                 <a:latin typeface="DM Sans" pitchFamily="2" charset="77"/>
               </a:rPr>
-              <a:t>“drücke F“</a:t>
-            </a:r>
-            <a:endParaRPr lang="de-DE" sz="1600" dirty="0">
-              <a:latin typeface="DM Sans" pitchFamily="2" charset="77"/>
-            </a:endParaRPr>
+              <a:t>“Drücke F“</a:t>
+            </a:r>
           </a:p>
           <a:p>
             <a:pPr algn="l">
@@ -3472,23 +3470,7 @@
                 <a:ea typeface="Nirmala UI Semilight" panose="020B0402040204020203" pitchFamily="34" charset="0"/>
                 <a:cs typeface="Nirmala UI Semilight" panose="020B0402040204020203" pitchFamily="34" charset="0"/>
               </a:rPr>
-              <a:t>Tom Eschenbach (412905), Adam Knothe (412736), Patrick </a:t>
-            </a:r>
-            <a:r>
-              <a:rPr lang="de-DE" sz="1600" dirty="0" err="1">
-                <a:latin typeface="DM Sans" pitchFamily="2" charset="77"/>
-                <a:ea typeface="Nirmala UI Semilight" panose="020B0402040204020203" pitchFamily="34" charset="0"/>
-                <a:cs typeface="Nirmala UI Semilight" panose="020B0402040204020203" pitchFamily="34" charset="0"/>
-              </a:rPr>
-              <a:t>Zdanowski</a:t>
-            </a:r>
-            <a:r>
-              <a:rPr lang="de-DE" sz="1600" dirty="0">
-                <a:latin typeface="DM Sans" pitchFamily="2" charset="77"/>
-                <a:ea typeface="Nirmala UI Semilight" panose="020B0402040204020203" pitchFamily="34" charset="0"/>
-                <a:cs typeface="Nirmala UI Semilight" panose="020B0402040204020203" pitchFamily="34" charset="0"/>
-              </a:rPr>
-              <a:t> (410378)</a:t>
+              <a:t>Tom Eschenbach (412905), Adam Knothe (412736), Patrick Zdanowski (0410378)</a:t>
             </a:r>
           </a:p>
           <a:p>
@@ -4722,7 +4704,7 @@
               <a:rPr lang="de-DE" sz="1600" dirty="0">
                 <a:latin typeface="DM Sans" pitchFamily="2" charset="77"/>
               </a:rPr>
-              <a:t> ausbauen zu </a:t>
+              <a:t>() ausbauen mit </a:t>
             </a:r>
             <a:r>
               <a:rPr lang="de-DE" sz="1600" dirty="0" err="1">
@@ -4734,7 +4716,7 @@
               <a:rPr lang="de-DE" sz="1600" dirty="0">
                 <a:latin typeface="DM Sans" pitchFamily="2" charset="77"/>
               </a:rPr>
-              <a:t> (Anfangsspiel, Mittelspiel, Endspiel, gewonnen, unentschieden)</a:t>
+              <a:t> (Anfangsspiel, Mittelspiel, Endspiel, Sieg, Unentschieden)</a:t>
             </a:r>
           </a:p>
           <a:p>
@@ -4814,6 +4796,104 @@
     <p:extLst>
       <p:ext uri="{BB962C8B-B14F-4D97-AF65-F5344CB8AC3E}">
         <p14:creationId xmlns:p14="http://schemas.microsoft.com/office/powerpoint/2010/main" val="4049893299"/>
+      </p:ext>
+    </p:extLst>
+  </p:cSld>
+  <p:clrMapOvr>
+    <a:masterClrMapping/>
+  </p:clrMapOvr>
+</p:sld>
+</file>
+
+<file path=ppt/slides/slide8.xml><?xml version="1.0" encoding="utf-8"?>
+<p:sld xmlns:a="http://schemas.openxmlformats.org/drawingml/2006/main" xmlns:r="http://schemas.openxmlformats.org/officeDocument/2006/relationships" xmlns:p="http://schemas.openxmlformats.org/presentationml/2006/main">
+  <p:cSld>
+    <p:spTree>
+      <p:nvGrpSpPr>
+        <p:cNvPr id="1" name=""/>
+        <p:cNvGrpSpPr/>
+        <p:nvPr/>
+      </p:nvGrpSpPr>
+      <p:grpSpPr>
+        <a:xfrm>
+          <a:off x="0" y="0"/>
+          <a:ext cx="0" cy="0"/>
+          <a:chOff x="0" y="0"/>
+          <a:chExt cx="0" cy="0"/>
+        </a:xfrm>
+      </p:grpSpPr>
+      <p:sp>
+        <p:nvSpPr>
+          <p:cNvPr id="2" name="Titel 1">
+            <a:extLst>
+              <a:ext uri="{FF2B5EF4-FFF2-40B4-BE49-F238E27FC236}">
+                <a16:creationId xmlns:a16="http://schemas.microsoft.com/office/drawing/2014/main" id="{5AA772EB-2F85-D641-B1ED-2B43FA1C49BA}"/>
+              </a:ext>
+            </a:extLst>
+          </p:cNvPr>
+          <p:cNvSpPr>
+            <a:spLocks noGrp="1"/>
+          </p:cNvSpPr>
+          <p:nvPr>
+            <p:ph type="title"/>
+          </p:nvPr>
+        </p:nvSpPr>
+        <p:spPr/>
+        <p:txBody>
+          <a:bodyPr/>
+          <a:lstStyle/>
+          <a:p>
+            <a:r>
+              <a:rPr lang="de-DE" dirty="0">
+                <a:latin typeface="DM Sans" pitchFamily="2" charset="77"/>
+              </a:rPr>
+              <a:t>Ausblick und nächste Schritte</a:t>
+            </a:r>
+          </a:p>
+        </p:txBody>
+      </p:sp>
+      <p:sp>
+        <p:nvSpPr>
+          <p:cNvPr id="3" name="Inhaltsplatzhalter 2">
+            <a:extLst>
+              <a:ext uri="{FF2B5EF4-FFF2-40B4-BE49-F238E27FC236}">
+                <a16:creationId xmlns:a16="http://schemas.microsoft.com/office/drawing/2014/main" id="{EE3C1B38-B6C1-FCDB-1B7B-8A85D0E9F7C5}"/>
+              </a:ext>
+            </a:extLst>
+          </p:cNvPr>
+          <p:cNvSpPr>
+            <a:spLocks noGrp="1"/>
+          </p:cNvSpPr>
+          <p:nvPr>
+            <p:ph idx="1"/>
+          </p:nvPr>
+        </p:nvSpPr>
+        <p:spPr/>
+        <p:txBody>
+          <a:bodyPr anchor="ctr">
+            <a:normAutofit/>
+          </a:bodyPr>
+          <a:lstStyle/>
+          <a:p>
+            <a:pPr marL="0" indent="0" algn="ctr">
+              <a:lnSpc>
+                <a:spcPct val="150000"/>
+              </a:lnSpc>
+              <a:buNone/>
+            </a:pPr>
+            <a:r>
+              <a:rPr lang="de-DE" sz="1600" dirty="0">
+                <a:latin typeface="DM Sans" pitchFamily="2" charset="77"/>
+              </a:rPr>
+              <a:t>Abgabetermin für Meilenstein 2 – Basis-KI: 24.05.2023, 23:59 Uhr</a:t>
+            </a:r>
+          </a:p>
+        </p:txBody>
+      </p:sp>
+    </p:spTree>
+    <p:extLst>
+      <p:ext uri="{BB962C8B-B14F-4D97-AF65-F5344CB8AC3E}">
+        <p14:creationId xmlns:p14="http://schemas.microsoft.com/office/powerpoint/2010/main" val="2128798831"/>
       </p:ext>
     </p:extLst>
   </p:cSld>

--- a/PJ_KI_MST1.pptx
+++ b/PJ_KI_MST1.pptx
@@ -4885,7 +4885,7 @@
               <a:rPr lang="de-DE" sz="1600" dirty="0">
                 <a:latin typeface="DM Sans" pitchFamily="2" charset="77"/>
               </a:rPr>
-              <a:t>Abgabetermin für Meilenstein 2 – Basis-KI: 24.05.2023, 23:59 Uhr</a:t>
+              <a:t>Abgabetermin für Meilenstein 2 – Basis-KI: 22.05.2023, 23:59 Uhr</a:t>
             </a:r>
           </a:p>
         </p:txBody>

--- a/PJ_KI_MST1.pptx
+++ b/PJ_KI_MST1.pptx
@@ -3498,6 +3498,114 @@
           </a:p>
         </p:txBody>
       </p:sp>
+      <p:pic>
+        <p:nvPicPr>
+          <p:cNvPr id="4" name="Grafik 3" descr="Ein Bild, das Menschliches Gesicht, Person, Vorderkopf, Augenbraue enthält.&#10;&#10;Automatisch generierte Beschreibung">
+            <a:extLst>
+              <a:ext uri="{FF2B5EF4-FFF2-40B4-BE49-F238E27FC236}">
+                <a16:creationId xmlns:a16="http://schemas.microsoft.com/office/drawing/2014/main" id="{CBF84007-CD41-405A-CC87-5A536BC9585F}"/>
+              </a:ext>
+            </a:extLst>
+          </p:cNvPr>
+          <p:cNvPicPr>
+            <a:picLocks noChangeAspect="1"/>
+          </p:cNvPicPr>
+          <p:nvPr/>
+        </p:nvPicPr>
+        <p:blipFill>
+          <a:blip r:embed="rId2">
+            <a:extLst>
+              <a:ext uri="{28A0092B-C50C-407E-A947-70E740481C1C}">
+                <a14:useLocalDpi xmlns:a14="http://schemas.microsoft.com/office/drawing/2010/main" val="0"/>
+              </a:ext>
+            </a:extLst>
+          </a:blip>
+          <a:stretch>
+            <a:fillRect/>
+          </a:stretch>
+        </p:blipFill>
+        <p:spPr>
+          <a:xfrm>
+            <a:off x="10142320" y="2346960"/>
+            <a:ext cx="1349502" cy="1719366"/>
+          </a:xfrm>
+          <a:prstGeom prst="rect">
+            <a:avLst/>
+          </a:prstGeom>
+        </p:spPr>
+      </p:pic>
+      <p:pic>
+        <p:nvPicPr>
+          <p:cNvPr id="6" name="Grafik 5" descr="Ein Bild, das Menschliches Gesicht, Person, Wand, Kinn enthält.&#10;&#10;Automatisch generierte Beschreibung">
+            <a:extLst>
+              <a:ext uri="{FF2B5EF4-FFF2-40B4-BE49-F238E27FC236}">
+                <a16:creationId xmlns:a16="http://schemas.microsoft.com/office/drawing/2014/main" id="{83D72329-84AE-535A-1CEA-727E5D14BAC9}"/>
+              </a:ext>
+            </a:extLst>
+          </p:cNvPr>
+          <p:cNvPicPr>
+            <a:picLocks noChangeAspect="1"/>
+          </p:cNvPicPr>
+          <p:nvPr/>
+        </p:nvPicPr>
+        <p:blipFill>
+          <a:blip r:embed="rId3">
+            <a:extLst>
+              <a:ext uri="{28A0092B-C50C-407E-A947-70E740481C1C}">
+                <a14:useLocalDpi xmlns:a14="http://schemas.microsoft.com/office/drawing/2010/main" val="0"/>
+              </a:ext>
+            </a:extLst>
+          </a:blip>
+          <a:stretch>
+            <a:fillRect/>
+          </a:stretch>
+        </p:blipFill>
+        <p:spPr>
+          <a:xfrm>
+            <a:off x="7202265" y="2346960"/>
+            <a:ext cx="1289525" cy="1719366"/>
+          </a:xfrm>
+          <a:prstGeom prst="rect">
+            <a:avLst/>
+          </a:prstGeom>
+        </p:spPr>
+      </p:pic>
+      <p:pic>
+        <p:nvPicPr>
+          <p:cNvPr id="9" name="Grafik 8" descr="Ein Bild, das Person, Menschliches Gesicht, Kleidung, draußen enthält.&#10;&#10;Automatisch generierte Beschreibung">
+            <a:extLst>
+              <a:ext uri="{FF2B5EF4-FFF2-40B4-BE49-F238E27FC236}">
+                <a16:creationId xmlns:a16="http://schemas.microsoft.com/office/drawing/2014/main" id="{C57FCE23-6E61-E2CF-40C8-DBD1A1B28611}"/>
+              </a:ext>
+            </a:extLst>
+          </p:cNvPr>
+          <p:cNvPicPr>
+            <a:picLocks noChangeAspect="1"/>
+          </p:cNvPicPr>
+          <p:nvPr/>
+        </p:nvPicPr>
+        <p:blipFill>
+          <a:blip r:embed="rId4">
+            <a:extLst>
+              <a:ext uri="{28A0092B-C50C-407E-A947-70E740481C1C}">
+                <a14:useLocalDpi xmlns:a14="http://schemas.microsoft.com/office/drawing/2010/main" val="0"/>
+              </a:ext>
+            </a:extLst>
+          </a:blip>
+          <a:stretch>
+            <a:fillRect/>
+          </a:stretch>
+        </p:blipFill>
+        <p:spPr>
+          <a:xfrm>
+            <a:off x="8789329" y="2346960"/>
+            <a:ext cx="1055452" cy="1719366"/>
+          </a:xfrm>
+          <a:prstGeom prst="rect">
+            <a:avLst/>
+          </a:prstGeom>
+        </p:spPr>
+      </p:pic>
     </p:spTree>
     <p:extLst>
       <p:ext uri="{BB962C8B-B14F-4D97-AF65-F5344CB8AC3E}">

--- a/PJ_KI_MST1.pptx
+++ b/PJ_KI_MST1.pptx
@@ -266,7 +266,7 @@
           <a:p>
             <a:fld id="{17468778-AD1E-48E6-A1B1-00A628170ED2}" type="datetimeFigureOut">
               <a:rPr lang="de-DE" smtClean="0"/>
-              <a:t>10.05.23</a:t>
+              <a:t>21.05.23</a:t>
             </a:fld>
             <a:endParaRPr lang="de-DE"/>
           </a:p>
@@ -464,7 +464,7 @@
           <a:p>
             <a:fld id="{17468778-AD1E-48E6-A1B1-00A628170ED2}" type="datetimeFigureOut">
               <a:rPr lang="de-DE" smtClean="0"/>
-              <a:t>10.05.23</a:t>
+              <a:t>21.05.23</a:t>
             </a:fld>
             <a:endParaRPr lang="de-DE"/>
           </a:p>
@@ -672,7 +672,7 @@
           <a:p>
             <a:fld id="{17468778-AD1E-48E6-A1B1-00A628170ED2}" type="datetimeFigureOut">
               <a:rPr lang="de-DE" smtClean="0"/>
-              <a:t>10.05.23</a:t>
+              <a:t>21.05.23</a:t>
             </a:fld>
             <a:endParaRPr lang="de-DE"/>
           </a:p>
@@ -870,7 +870,7 @@
           <a:p>
             <a:fld id="{17468778-AD1E-48E6-A1B1-00A628170ED2}" type="datetimeFigureOut">
               <a:rPr lang="de-DE" smtClean="0"/>
-              <a:t>10.05.23</a:t>
+              <a:t>21.05.23</a:t>
             </a:fld>
             <a:endParaRPr lang="de-DE"/>
           </a:p>
@@ -1145,7 +1145,7 @@
           <a:p>
             <a:fld id="{17468778-AD1E-48E6-A1B1-00A628170ED2}" type="datetimeFigureOut">
               <a:rPr lang="de-DE" smtClean="0"/>
-              <a:t>10.05.23</a:t>
+              <a:t>21.05.23</a:t>
             </a:fld>
             <a:endParaRPr lang="de-DE"/>
           </a:p>
@@ -1410,7 +1410,7 @@
           <a:p>
             <a:fld id="{17468778-AD1E-48E6-A1B1-00A628170ED2}" type="datetimeFigureOut">
               <a:rPr lang="de-DE" smtClean="0"/>
-              <a:t>10.05.23</a:t>
+              <a:t>21.05.23</a:t>
             </a:fld>
             <a:endParaRPr lang="de-DE"/>
           </a:p>
@@ -1822,7 +1822,7 @@
           <a:p>
             <a:fld id="{17468778-AD1E-48E6-A1B1-00A628170ED2}" type="datetimeFigureOut">
               <a:rPr lang="de-DE" smtClean="0"/>
-              <a:t>10.05.23</a:t>
+              <a:t>21.05.23</a:t>
             </a:fld>
             <a:endParaRPr lang="de-DE"/>
           </a:p>
@@ -1963,7 +1963,7 @@
           <a:p>
             <a:fld id="{17468778-AD1E-48E6-A1B1-00A628170ED2}" type="datetimeFigureOut">
               <a:rPr lang="de-DE" smtClean="0"/>
-              <a:t>10.05.23</a:t>
+              <a:t>21.05.23</a:t>
             </a:fld>
             <a:endParaRPr lang="de-DE"/>
           </a:p>
@@ -2076,7 +2076,7 @@
           <a:p>
             <a:fld id="{17468778-AD1E-48E6-A1B1-00A628170ED2}" type="datetimeFigureOut">
               <a:rPr lang="de-DE" smtClean="0"/>
-              <a:t>10.05.23</a:t>
+              <a:t>21.05.23</a:t>
             </a:fld>
             <a:endParaRPr lang="de-DE"/>
           </a:p>
@@ -2387,7 +2387,7 @@
           <a:p>
             <a:fld id="{17468778-AD1E-48E6-A1B1-00A628170ED2}" type="datetimeFigureOut">
               <a:rPr lang="de-DE" smtClean="0"/>
-              <a:t>10.05.23</a:t>
+              <a:t>21.05.23</a:t>
             </a:fld>
             <a:endParaRPr lang="de-DE"/>
           </a:p>
@@ -2675,7 +2675,7 @@
           <a:p>
             <a:fld id="{17468778-AD1E-48E6-A1B1-00A628170ED2}" type="datetimeFigureOut">
               <a:rPr lang="de-DE" smtClean="0"/>
-              <a:t>10.05.23</a:t>
+              <a:t>21.05.23</a:t>
             </a:fld>
             <a:endParaRPr lang="de-DE"/>
           </a:p>
@@ -2916,7 +2916,7 @@
           <a:p>
             <a:fld id="{17468778-AD1E-48E6-A1B1-00A628170ED2}" type="datetimeFigureOut">
               <a:rPr lang="de-DE" smtClean="0"/>
-              <a:t>10.05.23</a:t>
+              <a:t>21.05.23</a:t>
             </a:fld>
             <a:endParaRPr lang="de-DE"/>
           </a:p>
